--- a/presentation/Introducción al aprendizaje profundo.pptx
+++ b/presentation/Introducción al aprendizaje profundo.pptx
@@ -6,10 +6,24 @@
   </p:sldMasterIdLst>
   <p:sldIdLst>
     <p:sldId id="256" r:id="rId2"/>
-    <p:sldId id="257" r:id="rId3"/>
-    <p:sldId id="258" r:id="rId4"/>
-    <p:sldId id="259" r:id="rId5"/>
-    <p:sldId id="260" r:id="rId6"/>
+    <p:sldId id="258" r:id="rId3"/>
+    <p:sldId id="261" r:id="rId4"/>
+    <p:sldId id="268" r:id="rId5"/>
+    <p:sldId id="269" r:id="rId6"/>
+    <p:sldId id="270" r:id="rId7"/>
+    <p:sldId id="271" r:id="rId8"/>
+    <p:sldId id="272" r:id="rId9"/>
+    <p:sldId id="273" r:id="rId10"/>
+    <p:sldId id="274" r:id="rId11"/>
+    <p:sldId id="259" r:id="rId12"/>
+    <p:sldId id="260" r:id="rId13"/>
+    <p:sldId id="262" r:id="rId14"/>
+    <p:sldId id="275" r:id="rId15"/>
+    <p:sldId id="263" r:id="rId16"/>
+    <p:sldId id="266" r:id="rId17"/>
+    <p:sldId id="264" r:id="rId18"/>
+    <p:sldId id="265" r:id="rId19"/>
+    <p:sldId id="276" r:id="rId20"/>
   </p:sldIdLst>
   <p:sldSz cx="12192000" cy="6858000"/>
   <p:notesSz cx="6858000" cy="9144000"/>
@@ -108,6 +122,11 @@
       </a:defRPr>
     </a:lvl9pPr>
   </p:defaultTextStyle>
+  <p:extLst>
+    <p:ext uri="{EFAFB233-063F-42B5-8137-9DF3F51BA10A}">
+      <p15:sldGuideLst xmlns:p15="http://schemas.microsoft.com/office/powerpoint/2012/main"/>
+    </p:ext>
+  </p:extLst>
 </p:presentation>
 </file>
 
@@ -242,7 +261,7 @@
           <a:p>
             <a:fld id="{32560879-AF43-46DB-8B61-22BF2158BF65}" type="datetimeFigureOut">
               <a:rPr lang="es-MX" smtClean="0"/>
-              <a:t>21/05/2024</a:t>
+              <a:t>02/06/2024</a:t>
             </a:fld>
             <a:endParaRPr lang="es-MX" dirty="0"/>
           </a:p>
@@ -412,7 +431,7 @@
           <a:p>
             <a:fld id="{32560879-AF43-46DB-8B61-22BF2158BF65}" type="datetimeFigureOut">
               <a:rPr lang="es-MX" smtClean="0"/>
-              <a:t>21/05/2024</a:t>
+              <a:t>02/06/2024</a:t>
             </a:fld>
             <a:endParaRPr lang="es-MX" dirty="0"/>
           </a:p>
@@ -592,7 +611,7 @@
           <a:p>
             <a:fld id="{32560879-AF43-46DB-8B61-22BF2158BF65}" type="datetimeFigureOut">
               <a:rPr lang="es-MX" smtClean="0"/>
-              <a:t>21/05/2024</a:t>
+              <a:t>02/06/2024</a:t>
             </a:fld>
             <a:endParaRPr lang="es-MX" dirty="0"/>
           </a:p>
@@ -762,7 +781,7 @@
           <a:p>
             <a:fld id="{32560879-AF43-46DB-8B61-22BF2158BF65}" type="datetimeFigureOut">
               <a:rPr lang="es-MX" smtClean="0"/>
-              <a:t>21/05/2024</a:t>
+              <a:t>02/06/2024</a:t>
             </a:fld>
             <a:endParaRPr lang="es-MX" dirty="0"/>
           </a:p>
@@ -1008,7 +1027,7 @@
           <a:p>
             <a:fld id="{32560879-AF43-46DB-8B61-22BF2158BF65}" type="datetimeFigureOut">
               <a:rPr lang="es-MX" smtClean="0"/>
-              <a:t>21/05/2024</a:t>
+              <a:t>02/06/2024</a:t>
             </a:fld>
             <a:endParaRPr lang="es-MX" dirty="0"/>
           </a:p>
@@ -1240,7 +1259,7 @@
           <a:p>
             <a:fld id="{32560879-AF43-46DB-8B61-22BF2158BF65}" type="datetimeFigureOut">
               <a:rPr lang="es-MX" smtClean="0"/>
-              <a:t>21/05/2024</a:t>
+              <a:t>02/06/2024</a:t>
             </a:fld>
             <a:endParaRPr lang="es-MX" dirty="0"/>
           </a:p>
@@ -1607,7 +1626,7 @@
           <a:p>
             <a:fld id="{32560879-AF43-46DB-8B61-22BF2158BF65}" type="datetimeFigureOut">
               <a:rPr lang="es-MX" smtClean="0"/>
-              <a:t>21/05/2024</a:t>
+              <a:t>02/06/2024</a:t>
             </a:fld>
             <a:endParaRPr lang="es-MX" dirty="0"/>
           </a:p>
@@ -1725,7 +1744,7 @@
           <a:p>
             <a:fld id="{32560879-AF43-46DB-8B61-22BF2158BF65}" type="datetimeFigureOut">
               <a:rPr lang="es-MX" smtClean="0"/>
-              <a:t>21/05/2024</a:t>
+              <a:t>02/06/2024</a:t>
             </a:fld>
             <a:endParaRPr lang="es-MX" dirty="0"/>
           </a:p>
@@ -1820,7 +1839,7 @@
           <a:p>
             <a:fld id="{32560879-AF43-46DB-8B61-22BF2158BF65}" type="datetimeFigureOut">
               <a:rPr lang="es-MX" smtClean="0"/>
-              <a:t>21/05/2024</a:t>
+              <a:t>02/06/2024</a:t>
             </a:fld>
             <a:endParaRPr lang="es-MX" dirty="0"/>
           </a:p>
@@ -2097,7 +2116,7 @@
           <a:p>
             <a:fld id="{32560879-AF43-46DB-8B61-22BF2158BF65}" type="datetimeFigureOut">
               <a:rPr lang="es-MX" smtClean="0"/>
-              <a:t>21/05/2024</a:t>
+              <a:t>02/06/2024</a:t>
             </a:fld>
             <a:endParaRPr lang="es-MX" dirty="0"/>
           </a:p>
@@ -2354,7 +2373,7 @@
           <a:p>
             <a:fld id="{32560879-AF43-46DB-8B61-22BF2158BF65}" type="datetimeFigureOut">
               <a:rPr lang="es-MX" smtClean="0"/>
-              <a:t>21/05/2024</a:t>
+              <a:t>02/06/2024</a:t>
             </a:fld>
             <a:endParaRPr lang="es-MX" dirty="0"/>
           </a:p>
@@ -2567,7 +2586,7 @@
           <a:p>
             <a:fld id="{32560879-AF43-46DB-8B61-22BF2158BF65}" type="datetimeFigureOut">
               <a:rPr lang="es-MX" smtClean="0"/>
-              <a:t>21/05/2024</a:t>
+              <a:t>02/06/2024</a:t>
             </a:fld>
             <a:endParaRPr lang="es-MX" dirty="0"/>
           </a:p>
@@ -3084,10 +3103,1552 @@
           </a:p>
         </p:txBody>
       </p:sp>
+      <p:pic>
+        <p:nvPicPr>
+          <p:cNvPr id="5" name="Imagen 4">
+            <a:extLst>
+              <a:ext uri="{FF2B5EF4-FFF2-40B4-BE49-F238E27FC236}">
+                <a16:creationId xmlns:a16="http://schemas.microsoft.com/office/drawing/2014/main" id="{B1E72AA5-05C3-62D8-18C9-A966EA1EDBAC}"/>
+              </a:ext>
+            </a:extLst>
+          </p:cNvPr>
+          <p:cNvPicPr>
+            <a:picLocks noChangeAspect="1"/>
+          </p:cNvPicPr>
+          <p:nvPr/>
+        </p:nvPicPr>
+        <p:blipFill>
+          <a:blip r:embed="rId2" cstate="print">
+            <a:extLst>
+              <a:ext uri="{28A0092B-C50C-407E-A947-70E740481C1C}">
+                <a14:useLocalDpi xmlns:a14="http://schemas.microsoft.com/office/drawing/2010/main" val="0"/>
+              </a:ext>
+            </a:extLst>
+          </a:blip>
+          <a:stretch>
+            <a:fillRect/>
+          </a:stretch>
+        </p:blipFill>
+        <p:spPr>
+          <a:xfrm>
+            <a:off x="126632" y="93975"/>
+            <a:ext cx="3480535" cy="1558083"/>
+          </a:xfrm>
+          <a:prstGeom prst="rect">
+            <a:avLst/>
+          </a:prstGeom>
+        </p:spPr>
+      </p:pic>
+      <p:pic>
+        <p:nvPicPr>
+          <p:cNvPr id="6" name="Imagen 5">
+            <a:extLst>
+              <a:ext uri="{FF2B5EF4-FFF2-40B4-BE49-F238E27FC236}">
+                <a16:creationId xmlns:a16="http://schemas.microsoft.com/office/drawing/2014/main" id="{157659CC-A8AB-5DD1-38EB-8C4AC0A53E10}"/>
+              </a:ext>
+            </a:extLst>
+          </p:cNvPr>
+          <p:cNvPicPr>
+            <a:picLocks noChangeAspect="1"/>
+          </p:cNvPicPr>
+          <p:nvPr/>
+        </p:nvPicPr>
+        <p:blipFill>
+          <a:blip r:embed="rId3">
+            <a:extLst>
+              <a:ext uri="{28A0092B-C50C-407E-A947-70E740481C1C}">
+                <a14:useLocalDpi xmlns:a14="http://schemas.microsoft.com/office/drawing/2010/main" val="0"/>
+              </a:ext>
+            </a:extLst>
+          </a:blip>
+          <a:stretch>
+            <a:fillRect/>
+          </a:stretch>
+        </p:blipFill>
+        <p:spPr>
+          <a:xfrm>
+            <a:off x="10419362" y="265305"/>
+            <a:ext cx="1391581" cy="1334392"/>
+          </a:xfrm>
+          <a:prstGeom prst="rect">
+            <a:avLst/>
+          </a:prstGeom>
+        </p:spPr>
+      </p:pic>
     </p:spTree>
     <p:extLst>
       <p:ext uri="{BB962C8B-B14F-4D97-AF65-F5344CB8AC3E}">
         <p14:creationId xmlns:p14="http://schemas.microsoft.com/office/powerpoint/2010/main" val="2922677108"/>
+      </p:ext>
+    </p:extLst>
+  </p:cSld>
+  <p:clrMapOvr>
+    <a:masterClrMapping/>
+  </p:clrMapOvr>
+</p:sld>
+</file>
+
+<file path=ppt/slides/slide10.xml><?xml version="1.0" encoding="utf-8"?>
+<p:sld xmlns:a="http://schemas.openxmlformats.org/drawingml/2006/main" xmlns:r="http://schemas.openxmlformats.org/officeDocument/2006/relationships" xmlns:p="http://schemas.openxmlformats.org/presentationml/2006/main">
+  <p:cSld>
+    <p:spTree>
+      <p:nvGrpSpPr>
+        <p:cNvPr id="1" name=""/>
+        <p:cNvGrpSpPr/>
+        <p:nvPr/>
+      </p:nvGrpSpPr>
+      <p:grpSpPr>
+        <a:xfrm>
+          <a:off x="0" y="0"/>
+          <a:ext cx="0" cy="0"/>
+          <a:chOff x="0" y="0"/>
+          <a:chExt cx="0" cy="0"/>
+        </a:xfrm>
+      </p:grpSpPr>
+      <p:sp>
+        <p:nvSpPr>
+          <p:cNvPr id="2" name="Título 1"/>
+          <p:cNvSpPr>
+            <a:spLocks noGrp="1"/>
+          </p:cNvSpPr>
+          <p:nvPr>
+            <p:ph type="title"/>
+          </p:nvPr>
+        </p:nvSpPr>
+        <p:spPr/>
+        <p:txBody>
+          <a:bodyPr/>
+          <a:lstStyle/>
+          <a:p>
+            <a:r>
+              <a:rPr lang="es-MX" dirty="0"/>
+              <a:t>Imágenes y sus canales de color (RGB)</a:t>
+            </a:r>
+          </a:p>
+        </p:txBody>
+      </p:sp>
+      <p:pic>
+        <p:nvPicPr>
+          <p:cNvPr id="4" name="Imagen 3"/>
+          <p:cNvPicPr>
+            <a:picLocks noChangeAspect="1"/>
+          </p:cNvPicPr>
+          <p:nvPr/>
+        </p:nvPicPr>
+        <p:blipFill>
+          <a:blip r:embed="rId2"/>
+          <a:stretch>
+            <a:fillRect/>
+          </a:stretch>
+        </p:blipFill>
+        <p:spPr>
+          <a:xfrm>
+            <a:off x="2862547" y="2233318"/>
+            <a:ext cx="5401429" cy="4220164"/>
+          </a:xfrm>
+          <a:prstGeom prst="rect">
+            <a:avLst/>
+          </a:prstGeom>
+        </p:spPr>
+      </p:pic>
+    </p:spTree>
+    <p:extLst>
+      <p:ext uri="{BB962C8B-B14F-4D97-AF65-F5344CB8AC3E}">
+        <p14:creationId xmlns:p14="http://schemas.microsoft.com/office/powerpoint/2010/main" val="2333125262"/>
+      </p:ext>
+    </p:extLst>
+  </p:cSld>
+  <p:clrMapOvr>
+    <a:masterClrMapping/>
+  </p:clrMapOvr>
+</p:sld>
+</file>
+
+<file path=ppt/slides/slide11.xml><?xml version="1.0" encoding="utf-8"?>
+<p:sld xmlns:a="http://schemas.openxmlformats.org/drawingml/2006/main" xmlns:r="http://schemas.openxmlformats.org/officeDocument/2006/relationships" xmlns:p="http://schemas.openxmlformats.org/presentationml/2006/main" show="0">
+  <p:cSld>
+    <p:spTree>
+      <p:nvGrpSpPr>
+        <p:cNvPr id="1" name=""/>
+        <p:cNvGrpSpPr/>
+        <p:nvPr/>
+      </p:nvGrpSpPr>
+      <p:grpSpPr>
+        <a:xfrm>
+          <a:off x="0" y="0"/>
+          <a:ext cx="0" cy="0"/>
+          <a:chOff x="0" y="0"/>
+          <a:chExt cx="0" cy="0"/>
+        </a:xfrm>
+      </p:grpSpPr>
+      <p:sp>
+        <p:nvSpPr>
+          <p:cNvPr id="2" name="Título 1">
+            <a:extLst>
+              <a:ext uri="{FF2B5EF4-FFF2-40B4-BE49-F238E27FC236}">
+                <a16:creationId xmlns:a16="http://schemas.microsoft.com/office/drawing/2014/main" id="{69A5EE78-CB9B-9338-5790-9195DED77FA0}"/>
+              </a:ext>
+            </a:extLst>
+          </p:cNvPr>
+          <p:cNvSpPr>
+            <a:spLocks noGrp="1"/>
+          </p:cNvSpPr>
+          <p:nvPr>
+            <p:ph type="title"/>
+          </p:nvPr>
+        </p:nvSpPr>
+        <p:spPr/>
+        <p:txBody>
+          <a:bodyPr/>
+          <a:lstStyle/>
+          <a:p>
+            <a:r>
+              <a:rPr lang="es-MX" dirty="0"/>
+              <a:t>Aprendizaje Profundo</a:t>
+            </a:r>
+          </a:p>
+        </p:txBody>
+      </p:sp>
+      <p:sp>
+        <p:nvSpPr>
+          <p:cNvPr id="3" name="Marcador de contenido 2">
+            <a:extLst>
+              <a:ext uri="{FF2B5EF4-FFF2-40B4-BE49-F238E27FC236}">
+                <a16:creationId xmlns:a16="http://schemas.microsoft.com/office/drawing/2014/main" id="{2E499761-5709-F947-9707-59B5BDEEF1D2}"/>
+              </a:ext>
+            </a:extLst>
+          </p:cNvPr>
+          <p:cNvSpPr>
+            <a:spLocks noGrp="1"/>
+          </p:cNvSpPr>
+          <p:nvPr>
+            <p:ph idx="1"/>
+          </p:nvPr>
+        </p:nvSpPr>
+        <p:spPr/>
+        <p:txBody>
+          <a:bodyPr/>
+          <a:lstStyle/>
+          <a:p>
+            <a:r>
+              <a:rPr lang="es-MX" dirty="0"/>
+              <a:t>¿Qué es?</a:t>
+            </a:r>
+          </a:p>
+          <a:p>
+            <a:pPr marL="0" indent="0">
+              <a:buNone/>
+            </a:pPr>
+            <a:endParaRPr lang="es-MX" dirty="0"/>
+          </a:p>
+          <a:p>
+            <a:r>
+              <a:rPr lang="es-MX" dirty="0"/>
+              <a:t>¿Para qué se usa?</a:t>
+            </a:r>
+          </a:p>
+          <a:p>
+            <a:endParaRPr lang="es-MX" dirty="0"/>
+          </a:p>
+          <a:p>
+            <a:r>
+              <a:rPr lang="es-MX" dirty="0"/>
+              <a:t>¿Cómo se usa?</a:t>
+            </a:r>
+          </a:p>
+          <a:p>
+            <a:endParaRPr lang="es-MX" dirty="0"/>
+          </a:p>
+        </p:txBody>
+      </p:sp>
+    </p:spTree>
+    <p:extLst>
+      <p:ext uri="{BB962C8B-B14F-4D97-AF65-F5344CB8AC3E}">
+        <p14:creationId xmlns:p14="http://schemas.microsoft.com/office/powerpoint/2010/main" val="102276078"/>
+      </p:ext>
+    </p:extLst>
+  </p:cSld>
+  <p:clrMapOvr>
+    <a:masterClrMapping/>
+  </p:clrMapOvr>
+</p:sld>
+</file>
+
+<file path=ppt/slides/slide12.xml><?xml version="1.0" encoding="utf-8"?>
+<p:sld xmlns:a="http://schemas.openxmlformats.org/drawingml/2006/main" xmlns:r="http://schemas.openxmlformats.org/officeDocument/2006/relationships" xmlns:p="http://schemas.openxmlformats.org/presentationml/2006/main" show="0">
+  <p:cSld>
+    <p:spTree>
+      <p:nvGrpSpPr>
+        <p:cNvPr id="1" name=""/>
+        <p:cNvGrpSpPr/>
+        <p:nvPr/>
+      </p:nvGrpSpPr>
+      <p:grpSpPr>
+        <a:xfrm>
+          <a:off x="0" y="0"/>
+          <a:ext cx="0" cy="0"/>
+          <a:chOff x="0" y="0"/>
+          <a:chExt cx="0" cy="0"/>
+        </a:xfrm>
+      </p:grpSpPr>
+      <p:sp>
+        <p:nvSpPr>
+          <p:cNvPr id="2" name="Título 1">
+            <a:extLst>
+              <a:ext uri="{FF2B5EF4-FFF2-40B4-BE49-F238E27FC236}">
+                <a16:creationId xmlns:a16="http://schemas.microsoft.com/office/drawing/2014/main" id="{3B67913B-870B-5E23-1EF4-33F7510E4E31}"/>
+              </a:ext>
+            </a:extLst>
+          </p:cNvPr>
+          <p:cNvSpPr>
+            <a:spLocks noGrp="1"/>
+          </p:cNvSpPr>
+          <p:nvPr>
+            <p:ph type="title"/>
+          </p:nvPr>
+        </p:nvSpPr>
+        <p:spPr/>
+        <p:txBody>
+          <a:bodyPr/>
+          <a:lstStyle/>
+          <a:p>
+            <a:r>
+              <a:rPr lang="es-MX" dirty="0"/>
+              <a:t>¿Qué es?</a:t>
+            </a:r>
+          </a:p>
+        </p:txBody>
+      </p:sp>
+      <p:sp>
+        <p:nvSpPr>
+          <p:cNvPr id="3" name="Marcador de contenido 2">
+            <a:extLst>
+              <a:ext uri="{FF2B5EF4-FFF2-40B4-BE49-F238E27FC236}">
+                <a16:creationId xmlns:a16="http://schemas.microsoft.com/office/drawing/2014/main" id="{97AC7D8A-6A43-9E87-D8A6-2F11FEDC5EC8}"/>
+              </a:ext>
+            </a:extLst>
+          </p:cNvPr>
+          <p:cNvSpPr>
+            <a:spLocks noGrp="1"/>
+          </p:cNvSpPr>
+          <p:nvPr>
+            <p:ph idx="1"/>
+          </p:nvPr>
+        </p:nvSpPr>
+        <p:spPr/>
+        <p:txBody>
+          <a:bodyPr/>
+          <a:lstStyle/>
+          <a:p>
+            <a:endParaRPr lang="es-MX" dirty="0"/>
+          </a:p>
+        </p:txBody>
+      </p:sp>
+    </p:spTree>
+    <p:extLst>
+      <p:ext uri="{BB962C8B-B14F-4D97-AF65-F5344CB8AC3E}">
+        <p14:creationId xmlns:p14="http://schemas.microsoft.com/office/powerpoint/2010/main" val="2802815148"/>
+      </p:ext>
+    </p:extLst>
+  </p:cSld>
+  <p:clrMapOvr>
+    <a:masterClrMapping/>
+  </p:clrMapOvr>
+</p:sld>
+</file>
+
+<file path=ppt/slides/slide13.xml><?xml version="1.0" encoding="utf-8"?>
+<p:sld xmlns:a="http://schemas.openxmlformats.org/drawingml/2006/main" xmlns:r="http://schemas.openxmlformats.org/officeDocument/2006/relationships" xmlns:p="http://schemas.openxmlformats.org/presentationml/2006/main">
+  <p:cSld>
+    <p:spTree>
+      <p:nvGrpSpPr>
+        <p:cNvPr id="1" name=""/>
+        <p:cNvGrpSpPr/>
+        <p:nvPr/>
+      </p:nvGrpSpPr>
+      <p:grpSpPr>
+        <a:xfrm>
+          <a:off x="0" y="0"/>
+          <a:ext cx="0" cy="0"/>
+          <a:chOff x="0" y="0"/>
+          <a:chExt cx="0" cy="0"/>
+        </a:xfrm>
+      </p:grpSpPr>
+      <p:sp>
+        <p:nvSpPr>
+          <p:cNvPr id="2" name="Título 1">
+            <a:extLst>
+              <a:ext uri="{FF2B5EF4-FFF2-40B4-BE49-F238E27FC236}">
+                <a16:creationId xmlns:a16="http://schemas.microsoft.com/office/drawing/2014/main" id="{80153E12-F06A-0529-2317-F35B44F4900D}"/>
+              </a:ext>
+            </a:extLst>
+          </p:cNvPr>
+          <p:cNvSpPr>
+            <a:spLocks noGrp="1"/>
+          </p:cNvSpPr>
+          <p:nvPr>
+            <p:ph type="title"/>
+          </p:nvPr>
+        </p:nvSpPr>
+        <p:spPr/>
+        <p:txBody>
+          <a:bodyPr/>
+          <a:lstStyle/>
+          <a:p>
+            <a:r>
+              <a:rPr lang="es-MX" dirty="0"/>
+              <a:t>Metodología</a:t>
+            </a:r>
+          </a:p>
+        </p:txBody>
+      </p:sp>
+      <p:sp>
+        <p:nvSpPr>
+          <p:cNvPr id="3" name="Marcador de contenido 2">
+            <a:extLst>
+              <a:ext uri="{FF2B5EF4-FFF2-40B4-BE49-F238E27FC236}">
+                <a16:creationId xmlns:a16="http://schemas.microsoft.com/office/drawing/2014/main" id="{B19BB42C-F170-895E-6B9C-502AAD030520}"/>
+              </a:ext>
+            </a:extLst>
+          </p:cNvPr>
+          <p:cNvSpPr>
+            <a:spLocks noGrp="1"/>
+          </p:cNvSpPr>
+          <p:nvPr>
+            <p:ph idx="1"/>
+          </p:nvPr>
+        </p:nvSpPr>
+        <p:spPr/>
+        <p:txBody>
+          <a:bodyPr/>
+          <a:lstStyle/>
+          <a:p>
+            <a:r>
+              <a:rPr lang="es-MX" dirty="0"/>
+              <a:t>Selección de conjunto de datos</a:t>
+            </a:r>
+          </a:p>
+          <a:p>
+            <a:r>
+              <a:rPr lang="es-MX" dirty="0"/>
+              <a:t>Organización de conjunto de datos</a:t>
+            </a:r>
+          </a:p>
+          <a:p>
+            <a:r>
+              <a:rPr lang="es-MX" dirty="0"/>
+              <a:t>Diseño de arquitectura</a:t>
+            </a:r>
+          </a:p>
+          <a:p>
+            <a:pPr lvl="1"/>
+            <a:r>
+              <a:rPr lang="es-MX" dirty="0"/>
+              <a:t>Asignación de </a:t>
+            </a:r>
+            <a:r>
+              <a:rPr lang="es-MX" dirty="0" err="1"/>
+              <a:t>hiperparámetros</a:t>
+            </a:r>
+            <a:endParaRPr lang="es-MX" dirty="0"/>
+          </a:p>
+          <a:p>
+            <a:r>
+              <a:rPr lang="es-MX" dirty="0"/>
+              <a:t>Pruebas de rendimiento</a:t>
+            </a:r>
+          </a:p>
+          <a:p>
+            <a:r>
+              <a:rPr lang="es-MX" dirty="0"/>
+              <a:t>Obtención de métricas</a:t>
+            </a:r>
+          </a:p>
+          <a:p>
+            <a:r>
+              <a:rPr lang="es-MX" dirty="0"/>
+              <a:t>Validación cruzada</a:t>
+            </a:r>
+          </a:p>
+          <a:p>
+            <a:pPr lvl="1"/>
+            <a:endParaRPr lang="es-MX" dirty="0"/>
+          </a:p>
+          <a:p>
+            <a:endParaRPr lang="es-MX" dirty="0"/>
+          </a:p>
+        </p:txBody>
+      </p:sp>
+    </p:spTree>
+    <p:extLst>
+      <p:ext uri="{BB962C8B-B14F-4D97-AF65-F5344CB8AC3E}">
+        <p14:creationId xmlns:p14="http://schemas.microsoft.com/office/powerpoint/2010/main" val="637315174"/>
+      </p:ext>
+    </p:extLst>
+  </p:cSld>
+  <p:clrMapOvr>
+    <a:masterClrMapping/>
+  </p:clrMapOvr>
+</p:sld>
+</file>
+
+<file path=ppt/slides/slide14.xml><?xml version="1.0" encoding="utf-8"?>
+<p:sld xmlns:a="http://schemas.openxmlformats.org/drawingml/2006/main" xmlns:r="http://schemas.openxmlformats.org/officeDocument/2006/relationships" xmlns:p="http://schemas.openxmlformats.org/presentationml/2006/main">
+  <p:cSld>
+    <p:spTree>
+      <p:nvGrpSpPr>
+        <p:cNvPr id="1" name=""/>
+        <p:cNvGrpSpPr/>
+        <p:nvPr/>
+      </p:nvGrpSpPr>
+      <p:grpSpPr>
+        <a:xfrm>
+          <a:off x="0" y="0"/>
+          <a:ext cx="0" cy="0"/>
+          <a:chOff x="0" y="0"/>
+          <a:chExt cx="0" cy="0"/>
+        </a:xfrm>
+      </p:grpSpPr>
+      <p:sp>
+        <p:nvSpPr>
+          <p:cNvPr id="2" name="Título 1">
+            <a:extLst>
+              <a:ext uri="{FF2B5EF4-FFF2-40B4-BE49-F238E27FC236}">
+                <a16:creationId xmlns:a16="http://schemas.microsoft.com/office/drawing/2014/main" id="{0F548ADB-118D-09CA-BAE1-9B6A244F894F}"/>
+              </a:ext>
+            </a:extLst>
+          </p:cNvPr>
+          <p:cNvSpPr>
+            <a:spLocks noGrp="1"/>
+          </p:cNvSpPr>
+          <p:nvPr>
+            <p:ph type="title"/>
+          </p:nvPr>
+        </p:nvSpPr>
+        <p:spPr/>
+        <p:txBody>
+          <a:bodyPr/>
+          <a:lstStyle/>
+          <a:p>
+            <a:r>
+              <a:rPr lang="es-MX" dirty="0"/>
+              <a:t>Conjuntos de datos</a:t>
+            </a:r>
+          </a:p>
+        </p:txBody>
+      </p:sp>
+      <p:sp>
+        <p:nvSpPr>
+          <p:cNvPr id="3" name="Marcador de contenido 2">
+            <a:extLst>
+              <a:ext uri="{FF2B5EF4-FFF2-40B4-BE49-F238E27FC236}">
+                <a16:creationId xmlns:a16="http://schemas.microsoft.com/office/drawing/2014/main" id="{EF0531BE-592C-CFB8-68F5-2CC420DA9AB8}"/>
+              </a:ext>
+            </a:extLst>
+          </p:cNvPr>
+          <p:cNvSpPr>
+            <a:spLocks noGrp="1"/>
+          </p:cNvSpPr>
+          <p:nvPr>
+            <p:ph idx="1"/>
+          </p:nvPr>
+        </p:nvSpPr>
+        <p:spPr/>
+        <p:txBody>
+          <a:bodyPr/>
+          <a:lstStyle/>
+          <a:p>
+            <a:r>
+              <a:rPr lang="es-MX" dirty="0"/>
+              <a:t>MNIST</a:t>
+            </a:r>
+          </a:p>
+          <a:p>
+            <a:r>
+              <a:rPr lang="es-MX" dirty="0"/>
+              <a:t>Malaria</a:t>
+            </a:r>
+          </a:p>
+        </p:txBody>
+      </p:sp>
+    </p:spTree>
+    <p:extLst>
+      <p:ext uri="{BB962C8B-B14F-4D97-AF65-F5344CB8AC3E}">
+        <p14:creationId xmlns:p14="http://schemas.microsoft.com/office/powerpoint/2010/main" val="495854140"/>
+      </p:ext>
+    </p:extLst>
+  </p:cSld>
+  <p:clrMapOvr>
+    <a:masterClrMapping/>
+  </p:clrMapOvr>
+</p:sld>
+</file>
+
+<file path=ppt/slides/slide15.xml><?xml version="1.0" encoding="utf-8"?>
+<p:sld xmlns:a="http://schemas.openxmlformats.org/drawingml/2006/main" xmlns:r="http://schemas.openxmlformats.org/officeDocument/2006/relationships" xmlns:p="http://schemas.openxmlformats.org/presentationml/2006/main">
+  <p:cSld>
+    <p:spTree>
+      <p:nvGrpSpPr>
+        <p:cNvPr id="1" name=""/>
+        <p:cNvGrpSpPr/>
+        <p:nvPr/>
+      </p:nvGrpSpPr>
+      <p:grpSpPr>
+        <a:xfrm>
+          <a:off x="0" y="0"/>
+          <a:ext cx="0" cy="0"/>
+          <a:chOff x="0" y="0"/>
+          <a:chExt cx="0" cy="0"/>
+        </a:xfrm>
+      </p:grpSpPr>
+      <p:sp>
+        <p:nvSpPr>
+          <p:cNvPr id="2" name="Título 1">
+            <a:extLst>
+              <a:ext uri="{FF2B5EF4-FFF2-40B4-BE49-F238E27FC236}">
+                <a16:creationId xmlns:a16="http://schemas.microsoft.com/office/drawing/2014/main" id="{A2607881-BBF1-48F0-84B6-78CD1B6D5007}"/>
+              </a:ext>
+            </a:extLst>
+          </p:cNvPr>
+          <p:cNvSpPr>
+            <a:spLocks noGrp="1"/>
+          </p:cNvSpPr>
+          <p:nvPr>
+            <p:ph type="title"/>
+          </p:nvPr>
+        </p:nvSpPr>
+        <p:spPr/>
+        <p:txBody>
+          <a:bodyPr/>
+          <a:lstStyle/>
+          <a:p>
+            <a:r>
+              <a:rPr lang="es-MX" b="1" dirty="0"/>
+              <a:t>MNIST: </a:t>
+            </a:r>
+            <a:r>
+              <a:rPr lang="en-US" dirty="0"/>
+              <a:t>Modified National Institute of Standards and Technology.</a:t>
+            </a:r>
+            <a:endParaRPr lang="es-MX" dirty="0"/>
+          </a:p>
+        </p:txBody>
+      </p:sp>
+      <p:sp>
+        <p:nvSpPr>
+          <p:cNvPr id="3" name="Marcador de contenido 2">
+            <a:extLst>
+              <a:ext uri="{FF2B5EF4-FFF2-40B4-BE49-F238E27FC236}">
+                <a16:creationId xmlns:a16="http://schemas.microsoft.com/office/drawing/2014/main" id="{F1F9388C-1311-DED2-7A76-727497F4C549}"/>
+              </a:ext>
+            </a:extLst>
+          </p:cNvPr>
+          <p:cNvSpPr>
+            <a:spLocks noGrp="1"/>
+          </p:cNvSpPr>
+          <p:nvPr>
+            <p:ph idx="1"/>
+          </p:nvPr>
+        </p:nvSpPr>
+        <p:spPr>
+          <a:xfrm>
+            <a:off x="838200" y="2748492"/>
+            <a:ext cx="10515600" cy="4351338"/>
+          </a:xfrm>
+        </p:spPr>
+        <p:txBody>
+          <a:bodyPr/>
+          <a:lstStyle/>
+          <a:p>
+            <a:r>
+              <a:rPr lang="es-MX" dirty="0" err="1"/>
+              <a:t>Collection</a:t>
+            </a:r>
+            <a:r>
+              <a:rPr lang="es-MX" dirty="0"/>
+              <a:t> </a:t>
+            </a:r>
+            <a:r>
+              <a:rPr lang="es-MX" dirty="0" err="1"/>
+              <a:t>of</a:t>
+            </a:r>
+            <a:r>
+              <a:rPr lang="es-MX" dirty="0"/>
+              <a:t> </a:t>
+            </a:r>
+            <a:r>
+              <a:rPr lang="es-MX" dirty="0" err="1"/>
+              <a:t>handwritten</a:t>
+            </a:r>
+            <a:r>
+              <a:rPr lang="es-MX" dirty="0"/>
+              <a:t> </a:t>
+            </a:r>
+            <a:r>
+              <a:rPr lang="es-MX" dirty="0" err="1"/>
+              <a:t>digits</a:t>
+            </a:r>
+            <a:endParaRPr lang="en-US" b="1" dirty="0"/>
+          </a:p>
+          <a:p>
+            <a:r>
+              <a:rPr lang="en-US" dirty="0"/>
+              <a:t>Training set of 60,000 examples</a:t>
+            </a:r>
+          </a:p>
+          <a:p>
+            <a:r>
+              <a:rPr lang="en-US" dirty="0"/>
+              <a:t>Test set of 10,000 examples</a:t>
+            </a:r>
+          </a:p>
+          <a:p>
+            <a:r>
+              <a:rPr lang="en-US" dirty="0"/>
+              <a:t>Images contain grey levels.</a:t>
+            </a:r>
+          </a:p>
+          <a:p>
+            <a:r>
+              <a:rPr lang="en-US" dirty="0"/>
+              <a:t>Images, of size 28x28 Pixels.</a:t>
+            </a:r>
+            <a:endParaRPr lang="es-MX" dirty="0"/>
+          </a:p>
+        </p:txBody>
+      </p:sp>
+    </p:spTree>
+    <p:extLst>
+      <p:ext uri="{BB962C8B-B14F-4D97-AF65-F5344CB8AC3E}">
+        <p14:creationId xmlns:p14="http://schemas.microsoft.com/office/powerpoint/2010/main" val="821318305"/>
+      </p:ext>
+    </p:extLst>
+  </p:cSld>
+  <p:clrMapOvr>
+    <a:masterClrMapping/>
+  </p:clrMapOvr>
+</p:sld>
+</file>
+
+<file path=ppt/slides/slide16.xml><?xml version="1.0" encoding="utf-8"?>
+<p:sld xmlns:a="http://schemas.openxmlformats.org/drawingml/2006/main" xmlns:r="http://schemas.openxmlformats.org/officeDocument/2006/relationships" xmlns:p="http://schemas.openxmlformats.org/presentationml/2006/main">
+  <p:cSld>
+    <p:spTree>
+      <p:nvGrpSpPr>
+        <p:cNvPr id="1" name=""/>
+        <p:cNvGrpSpPr/>
+        <p:nvPr/>
+      </p:nvGrpSpPr>
+      <p:grpSpPr>
+        <a:xfrm>
+          <a:off x="0" y="0"/>
+          <a:ext cx="0" cy="0"/>
+          <a:chOff x="0" y="0"/>
+          <a:chExt cx="0" cy="0"/>
+        </a:xfrm>
+      </p:grpSpPr>
+      <p:pic>
+        <p:nvPicPr>
+          <p:cNvPr id="5" name="Marcador de contenido 4">
+            <a:extLst>
+              <a:ext uri="{FF2B5EF4-FFF2-40B4-BE49-F238E27FC236}">
+                <a16:creationId xmlns:a16="http://schemas.microsoft.com/office/drawing/2014/main" id="{63856A27-F9E5-6A8E-B47F-5A690693C832}"/>
+              </a:ext>
+            </a:extLst>
+          </p:cNvPr>
+          <p:cNvPicPr>
+            <a:picLocks noGrp="1" noChangeAspect="1"/>
+          </p:cNvPicPr>
+          <p:nvPr>
+            <p:ph idx="1"/>
+          </p:nvPr>
+        </p:nvPicPr>
+        <p:blipFill>
+          <a:blip r:embed="rId2"/>
+          <a:stretch>
+            <a:fillRect/>
+          </a:stretch>
+        </p:blipFill>
+        <p:spPr>
+          <a:xfrm>
+            <a:off x="3094931" y="1825625"/>
+            <a:ext cx="6002138" cy="4351338"/>
+          </a:xfrm>
+        </p:spPr>
+      </p:pic>
+      <p:sp>
+        <p:nvSpPr>
+          <p:cNvPr id="6" name="Título 1">
+            <a:extLst>
+              <a:ext uri="{FF2B5EF4-FFF2-40B4-BE49-F238E27FC236}">
+                <a16:creationId xmlns:a16="http://schemas.microsoft.com/office/drawing/2014/main" id="{5EEA95E8-18E5-6664-0C88-A7A8981C8E9D}"/>
+              </a:ext>
+            </a:extLst>
+          </p:cNvPr>
+          <p:cNvSpPr>
+            <a:spLocks noGrp="1"/>
+          </p:cNvSpPr>
+          <p:nvPr>
+            <p:ph type="title"/>
+          </p:nvPr>
+        </p:nvSpPr>
+        <p:spPr>
+          <a:xfrm>
+            <a:off x="838200" y="365125"/>
+            <a:ext cx="10515600" cy="1325563"/>
+          </a:xfrm>
+        </p:spPr>
+        <p:txBody>
+          <a:bodyPr/>
+          <a:lstStyle/>
+          <a:p>
+            <a:r>
+              <a:rPr lang="es-MX" dirty="0" err="1"/>
+              <a:t>Samples</a:t>
+            </a:r>
+            <a:r>
+              <a:rPr lang="es-MX" dirty="0"/>
+              <a:t> </a:t>
+            </a:r>
+            <a:r>
+              <a:rPr lang="es-MX" dirty="0" err="1"/>
+              <a:t>of</a:t>
+            </a:r>
+            <a:r>
+              <a:rPr lang="es-MX" dirty="0"/>
+              <a:t> MNIST</a:t>
+            </a:r>
+          </a:p>
+        </p:txBody>
+      </p:sp>
+    </p:spTree>
+    <p:extLst>
+      <p:ext uri="{BB962C8B-B14F-4D97-AF65-F5344CB8AC3E}">
+        <p14:creationId xmlns:p14="http://schemas.microsoft.com/office/powerpoint/2010/main" val="1083611120"/>
+      </p:ext>
+    </p:extLst>
+  </p:cSld>
+  <p:clrMapOvr>
+    <a:masterClrMapping/>
+  </p:clrMapOvr>
+</p:sld>
+</file>
+
+<file path=ppt/slides/slide17.xml><?xml version="1.0" encoding="utf-8"?>
+<p:sld xmlns:a="http://schemas.openxmlformats.org/drawingml/2006/main" xmlns:r="http://schemas.openxmlformats.org/officeDocument/2006/relationships" xmlns:p="http://schemas.openxmlformats.org/presentationml/2006/main">
+  <p:cSld>
+    <p:spTree>
+      <p:nvGrpSpPr>
+        <p:cNvPr id="1" name=""/>
+        <p:cNvGrpSpPr/>
+        <p:nvPr/>
+      </p:nvGrpSpPr>
+      <p:grpSpPr>
+        <a:xfrm>
+          <a:off x="0" y="0"/>
+          <a:ext cx="0" cy="0"/>
+          <a:chOff x="0" y="0"/>
+          <a:chExt cx="0" cy="0"/>
+        </a:xfrm>
+      </p:grpSpPr>
+      <p:sp>
+        <p:nvSpPr>
+          <p:cNvPr id="2" name="Título 1">
+            <a:extLst>
+              <a:ext uri="{FF2B5EF4-FFF2-40B4-BE49-F238E27FC236}">
+                <a16:creationId xmlns:a16="http://schemas.microsoft.com/office/drawing/2014/main" id="{E418B326-8745-F409-1F9C-7056FE5D77B0}"/>
+              </a:ext>
+            </a:extLst>
+          </p:cNvPr>
+          <p:cNvSpPr>
+            <a:spLocks noGrp="1"/>
+          </p:cNvSpPr>
+          <p:nvPr>
+            <p:ph type="title"/>
+          </p:nvPr>
+        </p:nvSpPr>
+        <p:spPr/>
+        <p:txBody>
+          <a:bodyPr/>
+          <a:lstStyle/>
+          <a:p>
+            <a:r>
+              <a:rPr lang="es-MX" dirty="0" err="1"/>
+              <a:t>Images</a:t>
+            </a:r>
+            <a:r>
+              <a:rPr lang="es-MX" dirty="0"/>
+              <a:t> </a:t>
+            </a:r>
+            <a:r>
+              <a:rPr lang="es-MX" dirty="0" err="1"/>
+              <a:t>generated</a:t>
+            </a:r>
+            <a:r>
+              <a:rPr lang="es-MX" dirty="0"/>
+              <a:t> </a:t>
+            </a:r>
+            <a:r>
+              <a:rPr lang="es-MX" dirty="0" err="1"/>
+              <a:t>to</a:t>
+            </a:r>
+            <a:r>
+              <a:rPr lang="es-MX" dirty="0"/>
+              <a:t> test </a:t>
+            </a:r>
+            <a:r>
+              <a:rPr lang="es-MX" dirty="0" err="1"/>
+              <a:t>model</a:t>
+            </a:r>
+            <a:endParaRPr lang="es-MX" dirty="0"/>
+          </a:p>
+        </p:txBody>
+      </p:sp>
+      <p:pic>
+        <p:nvPicPr>
+          <p:cNvPr id="9" name="Marcador de contenido 8" descr="Imagen en blanco y negro&#10;&#10;Descripción generada automáticamente con confianza baja">
+            <a:extLst>
+              <a:ext uri="{FF2B5EF4-FFF2-40B4-BE49-F238E27FC236}">
+                <a16:creationId xmlns:a16="http://schemas.microsoft.com/office/drawing/2014/main" id="{38E255F1-1866-5B12-BD55-EE2CFFC1B0CC}"/>
+              </a:ext>
+            </a:extLst>
+          </p:cNvPr>
+          <p:cNvPicPr>
+            <a:picLocks noGrp="1" noChangeAspect="1"/>
+          </p:cNvPicPr>
+          <p:nvPr>
+            <p:ph idx="1"/>
+          </p:nvPr>
+        </p:nvPicPr>
+        <p:blipFill>
+          <a:blip r:embed="rId2">
+            <a:extLst>
+              <a:ext uri="{28A0092B-C50C-407E-A947-70E740481C1C}">
+                <a14:useLocalDpi xmlns:a14="http://schemas.microsoft.com/office/drawing/2010/main" val="0"/>
+              </a:ext>
+            </a:extLst>
+          </a:blip>
+          <a:stretch>
+            <a:fillRect/>
+          </a:stretch>
+        </p:blipFill>
+        <p:spPr>
+          <a:xfrm>
+            <a:off x="6147616" y="4829958"/>
+            <a:ext cx="1920725" cy="1374057"/>
+          </a:xfrm>
+        </p:spPr>
+      </p:pic>
+      <p:pic>
+        <p:nvPicPr>
+          <p:cNvPr id="11" name="Imagen 10" descr="Dibujo en blanco y negro&#10;&#10;Descripción generada automáticamente con confianza baja">
+            <a:extLst>
+              <a:ext uri="{FF2B5EF4-FFF2-40B4-BE49-F238E27FC236}">
+                <a16:creationId xmlns:a16="http://schemas.microsoft.com/office/drawing/2014/main" id="{643AD23C-FC60-3B96-93E4-BB055A64B314}"/>
+              </a:ext>
+            </a:extLst>
+          </p:cNvPr>
+          <p:cNvPicPr>
+            <a:picLocks noChangeAspect="1"/>
+          </p:cNvPicPr>
+          <p:nvPr/>
+        </p:nvPicPr>
+        <p:blipFill>
+          <a:blip r:embed="rId3">
+            <a:extLst>
+              <a:ext uri="{28A0092B-C50C-407E-A947-70E740481C1C}">
+                <a14:useLocalDpi xmlns:a14="http://schemas.microsoft.com/office/drawing/2010/main" val="0"/>
+              </a:ext>
+            </a:extLst>
+          </a:blip>
+          <a:stretch>
+            <a:fillRect/>
+          </a:stretch>
+        </p:blipFill>
+        <p:spPr>
+          <a:xfrm>
+            <a:off x="1593360" y="1706623"/>
+            <a:ext cx="1457888" cy="1042951"/>
+          </a:xfrm>
+          <a:prstGeom prst="rect">
+            <a:avLst/>
+          </a:prstGeom>
+        </p:spPr>
+      </p:pic>
+      <p:pic>
+        <p:nvPicPr>
+          <p:cNvPr id="13" name="Imagen 12" descr="Imagen en blanco y negro&#10;&#10;Descripción generada automáticamente con confianza media">
+            <a:extLst>
+              <a:ext uri="{FF2B5EF4-FFF2-40B4-BE49-F238E27FC236}">
+                <a16:creationId xmlns:a16="http://schemas.microsoft.com/office/drawing/2014/main" id="{74348759-75C6-9416-0F2F-D8A5D4425012}"/>
+              </a:ext>
+            </a:extLst>
+          </p:cNvPr>
+          <p:cNvPicPr>
+            <a:picLocks noChangeAspect="1"/>
+          </p:cNvPicPr>
+          <p:nvPr/>
+        </p:nvPicPr>
+        <p:blipFill>
+          <a:blip r:embed="rId4">
+            <a:extLst>
+              <a:ext uri="{28A0092B-C50C-407E-A947-70E740481C1C}">
+                <a14:useLocalDpi xmlns:a14="http://schemas.microsoft.com/office/drawing/2010/main" val="0"/>
+              </a:ext>
+            </a:extLst>
+          </a:blip>
+          <a:stretch>
+            <a:fillRect/>
+          </a:stretch>
+        </p:blipFill>
+        <p:spPr>
+          <a:xfrm>
+            <a:off x="3146392" y="1440305"/>
+            <a:ext cx="2334994" cy="1670419"/>
+          </a:xfrm>
+          <a:prstGeom prst="rect">
+            <a:avLst/>
+          </a:prstGeom>
+        </p:spPr>
+      </p:pic>
+      <p:pic>
+        <p:nvPicPr>
+          <p:cNvPr id="15" name="Imagen 14" descr="Un dibujo de una persona&#10;&#10;Descripción generada automáticamente con confianza media">
+            <a:extLst>
+              <a:ext uri="{FF2B5EF4-FFF2-40B4-BE49-F238E27FC236}">
+                <a16:creationId xmlns:a16="http://schemas.microsoft.com/office/drawing/2014/main" id="{AC9D6E58-693A-E7FE-664B-7CF2AE059F90}"/>
+              </a:ext>
+            </a:extLst>
+          </p:cNvPr>
+          <p:cNvPicPr>
+            <a:picLocks noChangeAspect="1"/>
+          </p:cNvPicPr>
+          <p:nvPr/>
+        </p:nvPicPr>
+        <p:blipFill>
+          <a:blip r:embed="rId5">
+            <a:extLst>
+              <a:ext uri="{28A0092B-C50C-407E-A947-70E740481C1C}">
+                <a14:useLocalDpi xmlns:a14="http://schemas.microsoft.com/office/drawing/2010/main" val="0"/>
+              </a:ext>
+            </a:extLst>
+          </a:blip>
+          <a:stretch>
+            <a:fillRect/>
+          </a:stretch>
+        </p:blipFill>
+        <p:spPr>
+          <a:xfrm>
+            <a:off x="6147616" y="1541970"/>
+            <a:ext cx="1920725" cy="1374057"/>
+          </a:xfrm>
+          <a:prstGeom prst="rect">
+            <a:avLst/>
+          </a:prstGeom>
+        </p:spPr>
+      </p:pic>
+      <p:pic>
+        <p:nvPicPr>
+          <p:cNvPr id="17" name="Imagen 16" descr="Un dibujo de una persona&#10;&#10;Descripción generada automáticamente con confianza media">
+            <a:extLst>
+              <a:ext uri="{FF2B5EF4-FFF2-40B4-BE49-F238E27FC236}">
+                <a16:creationId xmlns:a16="http://schemas.microsoft.com/office/drawing/2014/main" id="{64D3BAD5-693C-D365-85CE-56593D6C0119}"/>
+              </a:ext>
+            </a:extLst>
+          </p:cNvPr>
+          <p:cNvPicPr>
+            <a:picLocks noChangeAspect="1"/>
+          </p:cNvPicPr>
+          <p:nvPr/>
+        </p:nvPicPr>
+        <p:blipFill>
+          <a:blip r:embed="rId6">
+            <a:extLst>
+              <a:ext uri="{28A0092B-C50C-407E-A947-70E740481C1C}">
+                <a14:useLocalDpi xmlns:a14="http://schemas.microsoft.com/office/drawing/2010/main" val="0"/>
+              </a:ext>
+            </a:extLst>
+          </a:blip>
+          <a:stretch>
+            <a:fillRect/>
+          </a:stretch>
+        </p:blipFill>
+        <p:spPr>
+          <a:xfrm>
+            <a:off x="8964904" y="1705066"/>
+            <a:ext cx="1920725" cy="1374057"/>
+          </a:xfrm>
+          <a:prstGeom prst="rect">
+            <a:avLst/>
+          </a:prstGeom>
+        </p:spPr>
+      </p:pic>
+      <p:pic>
+        <p:nvPicPr>
+          <p:cNvPr id="19" name="Imagen 18" descr="Imagen en blanco y negro&#10;&#10;Descripción generada automáticamente con confianza baja">
+            <a:extLst>
+              <a:ext uri="{FF2B5EF4-FFF2-40B4-BE49-F238E27FC236}">
+                <a16:creationId xmlns:a16="http://schemas.microsoft.com/office/drawing/2014/main" id="{0633A926-1720-6196-BA9F-53DFB30F69EB}"/>
+              </a:ext>
+            </a:extLst>
+          </p:cNvPr>
+          <p:cNvPicPr>
+            <a:picLocks noChangeAspect="1"/>
+          </p:cNvPicPr>
+          <p:nvPr/>
+        </p:nvPicPr>
+        <p:blipFill>
+          <a:blip r:embed="rId7">
+            <a:extLst>
+              <a:ext uri="{28A0092B-C50C-407E-A947-70E740481C1C}">
+                <a14:useLocalDpi xmlns:a14="http://schemas.microsoft.com/office/drawing/2010/main" val="0"/>
+              </a:ext>
+            </a:extLst>
+          </a:blip>
+          <a:stretch>
+            <a:fillRect/>
+          </a:stretch>
+        </p:blipFill>
+        <p:spPr>
+          <a:xfrm>
+            <a:off x="1171704" y="3079124"/>
+            <a:ext cx="2301199" cy="1646242"/>
+          </a:xfrm>
+          <a:prstGeom prst="rect">
+            <a:avLst/>
+          </a:prstGeom>
+        </p:spPr>
+      </p:pic>
+      <p:pic>
+        <p:nvPicPr>
+          <p:cNvPr id="21" name="Imagen 20" descr="Imagen en blanco y negro&#10;&#10;Descripción generada automáticamente con confianza baja">
+            <a:extLst>
+              <a:ext uri="{FF2B5EF4-FFF2-40B4-BE49-F238E27FC236}">
+                <a16:creationId xmlns:a16="http://schemas.microsoft.com/office/drawing/2014/main" id="{E324CD51-7B1E-8593-73F6-C14EEEA8F4E5}"/>
+              </a:ext>
+            </a:extLst>
+          </p:cNvPr>
+          <p:cNvPicPr>
+            <a:picLocks noChangeAspect="1"/>
+          </p:cNvPicPr>
+          <p:nvPr/>
+        </p:nvPicPr>
+        <p:blipFill>
+          <a:blip r:embed="rId8">
+            <a:extLst>
+              <a:ext uri="{28A0092B-C50C-407E-A947-70E740481C1C}">
+                <a14:useLocalDpi xmlns:a14="http://schemas.microsoft.com/office/drawing/2010/main" val="0"/>
+              </a:ext>
+            </a:extLst>
+          </a:blip>
+          <a:stretch>
+            <a:fillRect/>
+          </a:stretch>
+        </p:blipFill>
+        <p:spPr>
+          <a:xfrm>
+            <a:off x="3475920" y="3304083"/>
+            <a:ext cx="1550151" cy="1108954"/>
+          </a:xfrm>
+          <a:prstGeom prst="rect">
+            <a:avLst/>
+          </a:prstGeom>
+        </p:spPr>
+      </p:pic>
+      <p:pic>
+        <p:nvPicPr>
+          <p:cNvPr id="23" name="Imagen 22" descr="Imagen en blanco y negro&#10;&#10;Descripción generada automáticamente con confianza media">
+            <a:extLst>
+              <a:ext uri="{FF2B5EF4-FFF2-40B4-BE49-F238E27FC236}">
+                <a16:creationId xmlns:a16="http://schemas.microsoft.com/office/drawing/2014/main" id="{B038D396-6674-89CE-CD18-F4C307ADA7B0}"/>
+              </a:ext>
+            </a:extLst>
+          </p:cNvPr>
+          <p:cNvPicPr>
+            <a:picLocks noChangeAspect="1"/>
+          </p:cNvPicPr>
+          <p:nvPr/>
+        </p:nvPicPr>
+        <p:blipFill>
+          <a:blip r:embed="rId9">
+            <a:extLst>
+              <a:ext uri="{28A0092B-C50C-407E-A947-70E740481C1C}">
+                <a14:useLocalDpi xmlns:a14="http://schemas.microsoft.com/office/drawing/2010/main" val="0"/>
+              </a:ext>
+            </a:extLst>
+          </a:blip>
+          <a:stretch>
+            <a:fillRect/>
+          </a:stretch>
+        </p:blipFill>
+        <p:spPr>
+          <a:xfrm>
+            <a:off x="6038834" y="3143216"/>
+            <a:ext cx="2164174" cy="1548217"/>
+          </a:xfrm>
+          <a:prstGeom prst="rect">
+            <a:avLst/>
+          </a:prstGeom>
+        </p:spPr>
+      </p:pic>
+      <p:pic>
+        <p:nvPicPr>
+          <p:cNvPr id="25" name="Imagen 24" descr="Dibujo en blanco y negro&#10;&#10;Descripción generada automáticamente con confianza baja">
+            <a:extLst>
+              <a:ext uri="{FF2B5EF4-FFF2-40B4-BE49-F238E27FC236}">
+                <a16:creationId xmlns:a16="http://schemas.microsoft.com/office/drawing/2014/main" id="{C0747F18-428D-7D4B-2D00-289791D93206}"/>
+              </a:ext>
+            </a:extLst>
+          </p:cNvPr>
+          <p:cNvPicPr>
+            <a:picLocks noChangeAspect="1"/>
+          </p:cNvPicPr>
+          <p:nvPr/>
+        </p:nvPicPr>
+        <p:blipFill>
+          <a:blip r:embed="rId10">
+            <a:extLst>
+              <a:ext uri="{28A0092B-C50C-407E-A947-70E740481C1C}">
+                <a14:useLocalDpi xmlns:a14="http://schemas.microsoft.com/office/drawing/2010/main" val="0"/>
+              </a:ext>
+            </a:extLst>
+          </a:blip>
+          <a:stretch>
+            <a:fillRect/>
+          </a:stretch>
+        </p:blipFill>
+        <p:spPr>
+          <a:xfrm>
+            <a:off x="9034799" y="3291034"/>
+            <a:ext cx="2058008" cy="1472267"/>
+          </a:xfrm>
+          <a:prstGeom prst="rect">
+            <a:avLst/>
+          </a:prstGeom>
+        </p:spPr>
+      </p:pic>
+      <p:pic>
+        <p:nvPicPr>
+          <p:cNvPr id="27" name="Imagen 26">
+            <a:extLst>
+              <a:ext uri="{FF2B5EF4-FFF2-40B4-BE49-F238E27FC236}">
+                <a16:creationId xmlns:a16="http://schemas.microsoft.com/office/drawing/2014/main" id="{A3A2A5E4-D5DC-3C06-7227-23BC0E3AE813}"/>
+              </a:ext>
+            </a:extLst>
+          </p:cNvPr>
+          <p:cNvPicPr>
+            <a:picLocks noChangeAspect="1"/>
+          </p:cNvPicPr>
+          <p:nvPr/>
+        </p:nvPicPr>
+        <p:blipFill>
+          <a:blip r:embed="rId11">
+            <a:extLst>
+              <a:ext uri="{28A0092B-C50C-407E-A947-70E740481C1C}">
+                <a14:useLocalDpi xmlns:a14="http://schemas.microsoft.com/office/drawing/2010/main" val="0"/>
+              </a:ext>
+            </a:extLst>
+          </a:blip>
+          <a:stretch>
+            <a:fillRect/>
+          </a:stretch>
+        </p:blipFill>
+        <p:spPr>
+          <a:xfrm>
+            <a:off x="3372434" y="4722971"/>
+            <a:ext cx="1882910" cy="1347005"/>
+          </a:xfrm>
+          <a:prstGeom prst="rect">
+            <a:avLst/>
+          </a:prstGeom>
+        </p:spPr>
+      </p:pic>
+    </p:spTree>
+    <p:extLst>
+      <p:ext uri="{BB962C8B-B14F-4D97-AF65-F5344CB8AC3E}">
+        <p14:creationId xmlns:p14="http://schemas.microsoft.com/office/powerpoint/2010/main" val="1370354947"/>
+      </p:ext>
+    </p:extLst>
+  </p:cSld>
+  <p:clrMapOvr>
+    <a:masterClrMapping/>
+  </p:clrMapOvr>
+</p:sld>
+</file>
+
+<file path=ppt/slides/slide18.xml><?xml version="1.0" encoding="utf-8"?>
+<p:sld xmlns:a="http://schemas.openxmlformats.org/drawingml/2006/main" xmlns:r="http://schemas.openxmlformats.org/officeDocument/2006/relationships" xmlns:p="http://schemas.openxmlformats.org/presentationml/2006/main">
+  <p:cSld>
+    <p:spTree>
+      <p:nvGrpSpPr>
+        <p:cNvPr id="1" name=""/>
+        <p:cNvGrpSpPr/>
+        <p:nvPr/>
+      </p:nvGrpSpPr>
+      <p:grpSpPr>
+        <a:xfrm>
+          <a:off x="0" y="0"/>
+          <a:ext cx="0" cy="0"/>
+          <a:chOff x="0" y="0"/>
+          <a:chExt cx="0" cy="0"/>
+        </a:xfrm>
+      </p:grpSpPr>
+      <p:sp>
+        <p:nvSpPr>
+          <p:cNvPr id="2" name="Título 1">
+            <a:extLst>
+              <a:ext uri="{FF2B5EF4-FFF2-40B4-BE49-F238E27FC236}">
+                <a16:creationId xmlns:a16="http://schemas.microsoft.com/office/drawing/2014/main" id="{06E43450-9F73-BFB0-CE7F-34AF0784D9B9}"/>
+              </a:ext>
+            </a:extLst>
+          </p:cNvPr>
+          <p:cNvSpPr>
+            <a:spLocks noGrp="1"/>
+          </p:cNvSpPr>
+          <p:nvPr>
+            <p:ph type="title"/>
+          </p:nvPr>
+        </p:nvSpPr>
+        <p:spPr/>
+        <p:txBody>
+          <a:bodyPr/>
+          <a:lstStyle/>
+          <a:p>
+            <a:r>
+              <a:rPr lang="es-MX" dirty="0"/>
+              <a:t>Enlace al código:</a:t>
+            </a:r>
+          </a:p>
+        </p:txBody>
+      </p:sp>
+      <p:sp>
+        <p:nvSpPr>
+          <p:cNvPr id="3" name="Marcador de contenido 2">
+            <a:extLst>
+              <a:ext uri="{FF2B5EF4-FFF2-40B4-BE49-F238E27FC236}">
+                <a16:creationId xmlns:a16="http://schemas.microsoft.com/office/drawing/2014/main" id="{2A9A9B52-2D9F-6EEF-785B-921400C5B5DB}"/>
+              </a:ext>
+            </a:extLst>
+          </p:cNvPr>
+          <p:cNvSpPr>
+            <a:spLocks noGrp="1"/>
+          </p:cNvSpPr>
+          <p:nvPr>
+            <p:ph idx="1"/>
+          </p:nvPr>
+        </p:nvSpPr>
+        <p:spPr>
+          <a:xfrm>
+            <a:off x="838199" y="1825625"/>
+            <a:ext cx="11146971" cy="4351338"/>
+          </a:xfrm>
+        </p:spPr>
+        <p:txBody>
+          <a:bodyPr>
+            <a:normAutofit fontScale="92500" lnSpcReduction="20000"/>
+          </a:bodyPr>
+          <a:lstStyle/>
+          <a:p>
+            <a:r>
+              <a:rPr lang="es-MX" dirty="0">
+                <a:hlinkClick r:id="rId2"/>
+              </a:rPr>
+              <a:t>MNIST:</a:t>
+            </a:r>
+          </a:p>
+          <a:p>
+            <a:r>
+              <a:rPr lang="es-MX" dirty="0">
+                <a:hlinkClick r:id="rId2"/>
+              </a:rPr>
+              <a:t>https://colab.research.google.com/drive/1R7ZeYme_k4QMatZZ6HBZk5EPy2qB1V8N?usp=sharing</a:t>
+            </a:r>
+            <a:endParaRPr lang="es-MX" dirty="0"/>
+          </a:p>
+          <a:p>
+            <a:endParaRPr lang="es-MX" dirty="0"/>
+          </a:p>
+          <a:p>
+            <a:r>
+              <a:rPr lang="es-MX" dirty="0"/>
+              <a:t>Malaria:</a:t>
+            </a:r>
+          </a:p>
+          <a:p>
+            <a:r>
+              <a:rPr lang="es-MX" dirty="0">
+                <a:hlinkClick r:id="rId3"/>
+              </a:rPr>
+              <a:t>https://colab.research.google.com/drive/1tN9ylUSqv4fmrHEtWPQnrTdpXLW6ptU8?usp=drive_link</a:t>
+            </a:r>
+            <a:endParaRPr lang="es-MX" dirty="0"/>
+          </a:p>
+          <a:p>
+            <a:endParaRPr lang="es-MX" dirty="0"/>
+          </a:p>
+          <a:p>
+            <a:r>
+              <a:rPr lang="es-MX" dirty="0"/>
+              <a:t>Repositorio GitHub:</a:t>
+            </a:r>
+          </a:p>
+          <a:p>
+            <a:r>
+              <a:rPr lang="es-MX" dirty="0">
+                <a:hlinkClick r:id="rId4"/>
+              </a:rPr>
+              <a:t>https://github.com/adanantonio07A/aprenProfTest</a:t>
+            </a:r>
+            <a:endParaRPr lang="es-MX" dirty="0"/>
+          </a:p>
+          <a:p>
+            <a:pPr lvl="1"/>
+            <a:r>
+              <a:rPr lang="es-MX" dirty="0"/>
+              <a:t>Branch: </a:t>
+            </a:r>
+            <a:r>
+              <a:rPr lang="es-MX" dirty="0" err="1"/>
+              <a:t>Integration</a:t>
+            </a:r>
+            <a:endParaRPr lang="es-MX" dirty="0"/>
+          </a:p>
+        </p:txBody>
+      </p:sp>
+    </p:spTree>
+    <p:extLst>
+      <p:ext uri="{BB962C8B-B14F-4D97-AF65-F5344CB8AC3E}">
+        <p14:creationId xmlns:p14="http://schemas.microsoft.com/office/powerpoint/2010/main" val="1652864296"/>
+      </p:ext>
+    </p:extLst>
+  </p:cSld>
+  <p:clrMapOvr>
+    <a:masterClrMapping/>
+  </p:clrMapOvr>
+</p:sld>
+</file>
+
+<file path=ppt/slides/slide19.xml><?xml version="1.0" encoding="utf-8"?>
+<p:sld xmlns:a="http://schemas.openxmlformats.org/drawingml/2006/main" xmlns:r="http://schemas.openxmlformats.org/officeDocument/2006/relationships" xmlns:p="http://schemas.openxmlformats.org/presentationml/2006/main">
+  <p:cSld>
+    <p:spTree>
+      <p:nvGrpSpPr>
+        <p:cNvPr id="1" name=""/>
+        <p:cNvGrpSpPr/>
+        <p:nvPr/>
+      </p:nvGrpSpPr>
+      <p:grpSpPr>
+        <a:xfrm>
+          <a:off x="0" y="0"/>
+          <a:ext cx="0" cy="0"/>
+          <a:chOff x="0" y="0"/>
+          <a:chExt cx="0" cy="0"/>
+        </a:xfrm>
+      </p:grpSpPr>
+      <p:sp>
+        <p:nvSpPr>
+          <p:cNvPr id="2" name="Título 1">
+            <a:extLst>
+              <a:ext uri="{FF2B5EF4-FFF2-40B4-BE49-F238E27FC236}">
+                <a16:creationId xmlns:a16="http://schemas.microsoft.com/office/drawing/2014/main" id="{26F67D82-0DE1-5835-5779-CA3209F1E661}"/>
+              </a:ext>
+            </a:extLst>
+          </p:cNvPr>
+          <p:cNvSpPr>
+            <a:spLocks noGrp="1"/>
+          </p:cNvSpPr>
+          <p:nvPr>
+            <p:ph type="title"/>
+          </p:nvPr>
+        </p:nvSpPr>
+        <p:spPr/>
+        <p:txBody>
+          <a:bodyPr/>
+          <a:lstStyle/>
+          <a:p>
+            <a:r>
+              <a:rPr lang="es-MX" dirty="0"/>
+              <a:t>Enlaces de imágenes de malaria, parciales.</a:t>
+            </a:r>
+          </a:p>
+        </p:txBody>
+      </p:sp>
+      <p:sp>
+        <p:nvSpPr>
+          <p:cNvPr id="3" name="Marcador de contenido 2">
+            <a:extLst>
+              <a:ext uri="{FF2B5EF4-FFF2-40B4-BE49-F238E27FC236}">
+                <a16:creationId xmlns:a16="http://schemas.microsoft.com/office/drawing/2014/main" id="{19692339-3237-9B8C-A4D7-50EA40FBE311}"/>
+              </a:ext>
+            </a:extLst>
+          </p:cNvPr>
+          <p:cNvSpPr>
+            <a:spLocks noGrp="1"/>
+          </p:cNvSpPr>
+          <p:nvPr>
+            <p:ph idx="1"/>
+          </p:nvPr>
+        </p:nvSpPr>
+        <p:spPr/>
+        <p:txBody>
+          <a:bodyPr>
+            <a:normAutofit fontScale="92500" lnSpcReduction="10000"/>
+          </a:bodyPr>
+          <a:lstStyle/>
+          <a:p>
+            <a:r>
+              <a:rPr lang="es-MX" dirty="0"/>
+              <a:t>Subconjuntos de 100 imágenes: </a:t>
+            </a:r>
+            <a:r>
+              <a:rPr lang="es-MX" dirty="0">
+                <a:hlinkClick r:id="rId2"/>
+              </a:rPr>
+              <a:t>https://drive.google.com/drive/folders/1IUOS4javFFqK48TpDXgsTosTYMqY__XH?usp=drive_link</a:t>
+            </a:r>
+            <a:endParaRPr lang="es-MX" dirty="0"/>
+          </a:p>
+          <a:p>
+            <a:endParaRPr lang="es-MX" dirty="0"/>
+          </a:p>
+          <a:p>
+            <a:r>
+              <a:rPr lang="es-MX" dirty="0"/>
+              <a:t>Subconjuntos de 1000 imágenes: </a:t>
+            </a:r>
+            <a:r>
+              <a:rPr lang="es-MX" dirty="0">
+                <a:hlinkClick r:id="rId3"/>
+              </a:rPr>
+              <a:t>https://drive.google.com/drive/folders/1Uj4Hni3YJw7xNYWdvww3qXexhAPDjBZR?usp=drive_link</a:t>
+            </a:r>
+            <a:endParaRPr lang="es-MX" dirty="0"/>
+          </a:p>
+          <a:p>
+            <a:endParaRPr lang="es-MX" dirty="0"/>
+          </a:p>
+          <a:p>
+            <a:r>
+              <a:rPr lang="es-MX" dirty="0"/>
+              <a:t>Subconjuntos de 3000 imágenes: </a:t>
+            </a:r>
+            <a:r>
+              <a:rPr lang="es-MX" dirty="0">
+                <a:hlinkClick r:id="rId4"/>
+              </a:rPr>
+              <a:t>https://drive.google.com/drive/folders/1sdpTgqQHBXLfO09kqv4iQ90MmGI_ScjS?usp=drive_link</a:t>
+            </a:r>
+            <a:endParaRPr lang="es-MX" dirty="0"/>
+          </a:p>
+          <a:p>
+            <a:endParaRPr lang="es-MX" dirty="0"/>
+          </a:p>
+        </p:txBody>
+      </p:sp>
+    </p:spTree>
+    <p:extLst>
+      <p:ext uri="{BB962C8B-B14F-4D97-AF65-F5344CB8AC3E}">
+        <p14:creationId xmlns:p14="http://schemas.microsoft.com/office/powerpoint/2010/main" val="2990590279"/>
       </p:ext>
     </p:extLst>
   </p:cSld>
@@ -3119,7 +4680,7 @@
           <p:cNvPr id="2" name="Título 1">
             <a:extLst>
               <a:ext uri="{FF2B5EF4-FFF2-40B4-BE49-F238E27FC236}">
-                <a16:creationId xmlns:a16="http://schemas.microsoft.com/office/drawing/2014/main" id="{CD7A9DA8-0909-6A6F-E859-4893059251E7}"/>
+                <a16:creationId xmlns:a16="http://schemas.microsoft.com/office/drawing/2014/main" id="{BC9A6733-C420-A569-7325-94DC37404887}"/>
               </a:ext>
             </a:extLst>
           </p:cNvPr>
@@ -3137,7 +4698,7 @@
           <a:p>
             <a:r>
               <a:rPr lang="es-MX" dirty="0"/>
-              <a:t>Índice</a:t>
+              <a:t>Contenido</a:t>
             </a:r>
           </a:p>
         </p:txBody>
@@ -3147,7 +4708,7 @@
           <p:cNvPr id="3" name="Marcador de contenido 2">
             <a:extLst>
               <a:ext uri="{FF2B5EF4-FFF2-40B4-BE49-F238E27FC236}">
-                <a16:creationId xmlns:a16="http://schemas.microsoft.com/office/drawing/2014/main" id="{E47A0923-9BDF-2DBA-C674-8BE5EF1F7379}"/>
+                <a16:creationId xmlns:a16="http://schemas.microsoft.com/office/drawing/2014/main" id="{722D6505-1244-A359-692B-F52A6E364A84}"/>
               </a:ext>
             </a:extLst>
           </p:cNvPr>
@@ -3163,29 +4724,64 @@
           <a:bodyPr/>
           <a:lstStyle/>
           <a:p>
+            <a:pPr marL="514350" indent="-514350">
+              <a:buFont typeface="+mj-lt"/>
+              <a:buAutoNum type="arabicPeriod"/>
+            </a:pPr>
             <a:r>
               <a:rPr lang="es-MX" dirty="0"/>
-              <a:t>Introducción</a:t>
-            </a:r>
-          </a:p>
-          <a:p>
+              <a:t>Introducción.</a:t>
+            </a:r>
+          </a:p>
+          <a:p>
+            <a:pPr marL="514350" indent="-514350">
+              <a:buFont typeface="+mj-lt"/>
+              <a:buAutoNum type="arabicPeriod"/>
+            </a:pPr>
             <a:r>
               <a:rPr lang="es-MX" dirty="0"/>
-              <a:t>Metodología</a:t>
-            </a:r>
-          </a:p>
-          <a:p>
+              <a:t>Metodología. </a:t>
+            </a:r>
+          </a:p>
+          <a:p>
+            <a:pPr marL="514350" indent="-514350">
+              <a:buFont typeface="+mj-lt"/>
+              <a:buAutoNum type="arabicPeriod"/>
+            </a:pPr>
             <a:r>
               <a:rPr lang="es-MX" dirty="0"/>
-              <a:t>Resultados</a:t>
-            </a:r>
+              <a:t>Desarrollo.</a:t>
+            </a:r>
+          </a:p>
+          <a:p>
+            <a:pPr marL="514350" indent="-514350">
+              <a:buFont typeface="+mj-lt"/>
+              <a:buAutoNum type="arabicPeriod"/>
+            </a:pPr>
+            <a:r>
+              <a:rPr lang="es-MX" dirty="0"/>
+              <a:t>Resultados.</a:t>
+            </a:r>
+          </a:p>
+          <a:p>
+            <a:pPr marL="514350" indent="-514350">
+              <a:buFont typeface="+mj-lt"/>
+              <a:buAutoNum type="arabicPeriod"/>
+            </a:pPr>
+            <a:r>
+              <a:rPr lang="es-MX" dirty="0"/>
+              <a:t>Trabajo futuro.</a:t>
+            </a:r>
+          </a:p>
+          <a:p>
+            <a:endParaRPr lang="es-MX" dirty="0"/>
           </a:p>
         </p:txBody>
       </p:sp>
     </p:spTree>
     <p:extLst>
       <p:ext uri="{BB962C8B-B14F-4D97-AF65-F5344CB8AC3E}">
-        <p14:creationId xmlns:p14="http://schemas.microsoft.com/office/powerpoint/2010/main" val="589950385"/>
+        <p14:creationId xmlns:p14="http://schemas.microsoft.com/office/powerpoint/2010/main" val="1109913287"/>
       </p:ext>
     </p:extLst>
   </p:cSld>
@@ -3217,7 +4813,7 @@
           <p:cNvPr id="2" name="Título 1">
             <a:extLst>
               <a:ext uri="{FF2B5EF4-FFF2-40B4-BE49-F238E27FC236}">
-                <a16:creationId xmlns:a16="http://schemas.microsoft.com/office/drawing/2014/main" id="{BC9A6733-C420-A569-7325-94DC37404887}"/>
+                <a16:creationId xmlns:a16="http://schemas.microsoft.com/office/drawing/2014/main" id="{EB9372ED-10B5-8A0F-D296-D73A93800E60}"/>
               </a:ext>
             </a:extLst>
           </p:cNvPr>
@@ -3235,7 +4831,7 @@
           <a:p>
             <a:r>
               <a:rPr lang="es-MX" dirty="0"/>
-              <a:t>Contenido</a:t>
+              <a:t>Introducción</a:t>
             </a:r>
           </a:p>
         </p:txBody>
@@ -3245,7 +4841,7 @@
           <p:cNvPr id="3" name="Marcador de contenido 2">
             <a:extLst>
               <a:ext uri="{FF2B5EF4-FFF2-40B4-BE49-F238E27FC236}">
-                <a16:creationId xmlns:a16="http://schemas.microsoft.com/office/drawing/2014/main" id="{722D6505-1244-A359-692B-F52A6E364A84}"/>
+                <a16:creationId xmlns:a16="http://schemas.microsoft.com/office/drawing/2014/main" id="{9FBB7751-B046-F809-EBAE-B250174DCCC8}"/>
               </a:ext>
             </a:extLst>
           </p:cNvPr>
@@ -3261,53 +4857,27 @@
           <a:bodyPr/>
           <a:lstStyle/>
           <a:p>
-            <a:pPr marL="514350" indent="-514350">
-              <a:buFont typeface="+mj-lt"/>
-              <a:buAutoNum type="arabicPeriod"/>
-            </a:pPr>
             <a:r>
               <a:rPr lang="es-MX" dirty="0"/>
-              <a:t>Introducción.</a:t>
-            </a:r>
-          </a:p>
-          <a:p>
-            <a:pPr marL="514350" indent="-514350">
-              <a:buFont typeface="+mj-lt"/>
-              <a:buAutoNum type="arabicPeriod"/>
-            </a:pPr>
+              <a:t>Aprendizaje Profundo.</a:t>
+            </a:r>
+          </a:p>
+          <a:p>
             <a:r>
               <a:rPr lang="es-MX" dirty="0"/>
-              <a:t>Metodología. </a:t>
-            </a:r>
-          </a:p>
-          <a:p>
-            <a:pPr marL="514350" indent="-514350">
-              <a:buFont typeface="+mj-lt"/>
-              <a:buAutoNum type="arabicPeriod"/>
-            </a:pPr>
+              <a:t>Redes Neuronales Convolucionales.</a:t>
+            </a:r>
+          </a:p>
+          <a:p>
             <a:r>
               <a:rPr lang="es-MX" dirty="0"/>
-              <a:t>Desarrollo.</a:t>
-            </a:r>
-          </a:p>
-          <a:p>
-            <a:pPr marL="514350" indent="-514350">
-              <a:buFont typeface="+mj-lt"/>
-              <a:buAutoNum type="arabicPeriod"/>
-            </a:pPr>
+              <a:t>Métricas y gráficas.</a:t>
+            </a:r>
+          </a:p>
+          <a:p>
             <a:r>
               <a:rPr lang="es-MX" dirty="0"/>
-              <a:t>Resultados.</a:t>
-            </a:r>
-          </a:p>
-          <a:p>
-            <a:pPr marL="514350" indent="-514350">
-              <a:buFont typeface="+mj-lt"/>
-              <a:buAutoNum type="arabicPeriod"/>
-            </a:pPr>
-            <a:r>
-              <a:rPr lang="es-MX" dirty="0"/>
-              <a:t>Trabajo futuro.</a:t>
+              <a:t>Herramientas para implementar arquitecturas de Aprendizaje Profundo.</a:t>
             </a:r>
           </a:p>
           <a:p>
@@ -3318,7 +4888,7 @@
     </p:spTree>
     <p:extLst>
       <p:ext uri="{BB962C8B-B14F-4D97-AF65-F5344CB8AC3E}">
-        <p14:creationId xmlns:p14="http://schemas.microsoft.com/office/powerpoint/2010/main" val="1109913287"/>
+        <p14:creationId xmlns:p14="http://schemas.microsoft.com/office/powerpoint/2010/main" val="1156649586"/>
       </p:ext>
     </p:extLst>
   </p:cSld>
@@ -3347,88 +4917,199 @@
       </p:grpSpPr>
       <p:sp>
         <p:nvSpPr>
-          <p:cNvPr id="2" name="Título 1">
+          <p:cNvPr id="2" name="Título 1"/>
+          <p:cNvSpPr>
+            <a:spLocks noGrp="1"/>
+          </p:cNvSpPr>
+          <p:nvPr>
+            <p:ph type="title"/>
+          </p:nvPr>
+        </p:nvSpPr>
+        <p:spPr/>
+        <p:txBody>
+          <a:bodyPr/>
+          <a:lstStyle/>
+          <a:p>
+            <a:pPr algn="ctr"/>
+            <a:r>
+              <a:rPr lang="es-ES" dirty="0"/>
+              <a:t>¿Qué es el </a:t>
+            </a:r>
+            <a:r>
+              <a:rPr lang="es-ES" dirty="0" err="1"/>
+              <a:t>deep</a:t>
+            </a:r>
+            <a:r>
+              <a:rPr lang="es-ES" dirty="0"/>
+              <a:t> </a:t>
+            </a:r>
+            <a:r>
+              <a:rPr lang="es-ES" dirty="0" err="1"/>
+              <a:t>learning</a:t>
+            </a:r>
+            <a:r>
+              <a:rPr lang="es-ES" dirty="0"/>
+              <a:t>?</a:t>
+            </a:r>
+            <a:endParaRPr lang="es-MX" dirty="0"/>
+          </a:p>
+        </p:txBody>
+      </p:sp>
+      <p:sp>
+        <p:nvSpPr>
+          <p:cNvPr id="3" name="Marcador de contenido 2"/>
+          <p:cNvSpPr>
+            <a:spLocks noGrp="1"/>
+          </p:cNvSpPr>
+          <p:nvPr>
+            <p:ph idx="1"/>
+          </p:nvPr>
+        </p:nvSpPr>
+        <p:spPr>
+          <a:xfrm>
+            <a:off x="838200" y="1825625"/>
+            <a:ext cx="10515600" cy="2078465"/>
+          </a:xfrm>
+        </p:spPr>
+        <p:txBody>
+          <a:bodyPr/>
+          <a:lstStyle/>
+          <a:p>
+            <a:pPr marL="0" indent="0" algn="just">
+              <a:buNone/>
+            </a:pPr>
+            <a:r>
+              <a:rPr lang="es-ES" dirty="0"/>
+              <a:t>El </a:t>
+            </a:r>
+            <a:r>
+              <a:rPr lang="es-ES" dirty="0" err="1"/>
+              <a:t>deep</a:t>
+            </a:r>
+            <a:r>
+              <a:rPr lang="es-ES" dirty="0"/>
+              <a:t> </a:t>
+            </a:r>
+            <a:r>
+              <a:rPr lang="es-ES" dirty="0" err="1"/>
+              <a:t>learning</a:t>
+            </a:r>
+            <a:r>
+              <a:rPr lang="es-ES" dirty="0"/>
+              <a:t> es un subconjunto del </a:t>
+            </a:r>
+            <a:r>
+              <a:rPr lang="es-ES" dirty="0">
+                <a:hlinkClick r:id="rId2"/>
+              </a:rPr>
+              <a:t>machine </a:t>
+            </a:r>
+            <a:r>
+              <a:rPr lang="es-ES" dirty="0" err="1">
+                <a:hlinkClick r:id="rId2"/>
+              </a:rPr>
+              <a:t>learning</a:t>
+            </a:r>
+            <a:r>
+              <a:rPr lang="es-ES" dirty="0">
+                <a:hlinkClick r:id="rId2"/>
+              </a:rPr>
+              <a:t>,</a:t>
+            </a:r>
+            <a:r>
+              <a:rPr lang="es-ES" dirty="0"/>
+              <a:t> que es esencialmente una red neuronal con tres o más capas. Si bien una red neuronal de una sola capa puede aun así realizar predicciones aproximadas, las capas ocultas adicionales ayudan a optimizar y refinar la precisión.</a:t>
+            </a:r>
+            <a:endParaRPr lang="es-MX" dirty="0"/>
+          </a:p>
+        </p:txBody>
+      </p:sp>
+      <p:pic>
+        <p:nvPicPr>
+          <p:cNvPr id="1026" name="Picture 2" descr="Red neuronal artificial de cuatro capas. | Download Scientific Diagram"/>
+          <p:cNvPicPr>
+            <a:picLocks noChangeAspect="1" noChangeArrowheads="1"/>
+          </p:cNvPicPr>
+          <p:nvPr/>
+        </p:nvPicPr>
+        <p:blipFill>
+          <a:blip r:embed="rId3">
             <a:extLst>
-              <a:ext uri="{FF2B5EF4-FFF2-40B4-BE49-F238E27FC236}">
-                <a16:creationId xmlns:a16="http://schemas.microsoft.com/office/drawing/2014/main" id="{69A5EE78-CB9B-9338-5790-9195DED77FA0}"/>
+              <a:ext uri="{28A0092B-C50C-407E-A947-70E740481C1C}">
+                <a14:useLocalDpi xmlns:a14="http://schemas.microsoft.com/office/drawing/2010/main" val="0"/>
               </a:ext>
             </a:extLst>
-          </p:cNvPr>
-          <p:cNvSpPr>
-            <a:spLocks noGrp="1"/>
-          </p:cNvSpPr>
-          <p:nvPr>
-            <p:ph type="title"/>
-          </p:nvPr>
-        </p:nvSpPr>
-        <p:spPr/>
-        <p:txBody>
-          <a:bodyPr/>
-          <a:lstStyle/>
-          <a:p>
-            <a:r>
-              <a:rPr lang="es-MX" dirty="0"/>
-              <a:t>Aprendizaje Profundo</a:t>
-            </a:r>
-          </a:p>
-        </p:txBody>
-      </p:sp>
-      <p:sp>
-        <p:nvSpPr>
-          <p:cNvPr id="3" name="Marcador de contenido 2">
+          </a:blip>
+          <a:srcRect/>
+          <a:stretch>
+            <a:fillRect/>
+          </a:stretch>
+        </p:blipFill>
+        <p:spPr bwMode="auto">
+          <a:xfrm>
+            <a:off x="958655" y="3904090"/>
+            <a:ext cx="4464133" cy="2869800"/>
+          </a:xfrm>
+          <a:prstGeom prst="rect">
+            <a:avLst/>
+          </a:prstGeom>
+          <a:noFill/>
+          <a:extLst>
+            <a:ext uri="{909E8E84-426E-40DD-AFC4-6F175D3DCCD1}">
+              <a14:hiddenFill xmlns:a14="http://schemas.microsoft.com/office/drawing/2010/main">
+                <a:solidFill>
+                  <a:srgbClr val="FFFFFF"/>
+                </a:solidFill>
+              </a14:hiddenFill>
+            </a:ext>
+          </a:extLst>
+        </p:spPr>
+      </p:pic>
+      <p:pic>
+        <p:nvPicPr>
+          <p:cNvPr id="1028" name="Picture 4" descr="Redes neuronales profundas - Tipos y Características - Código Fuente"/>
+          <p:cNvPicPr>
+            <a:picLocks noChangeAspect="1" noChangeArrowheads="1"/>
+          </p:cNvPicPr>
+          <p:nvPr/>
+        </p:nvPicPr>
+        <p:blipFill>
+          <a:blip r:embed="rId4">
             <a:extLst>
-              <a:ext uri="{FF2B5EF4-FFF2-40B4-BE49-F238E27FC236}">
-                <a16:creationId xmlns:a16="http://schemas.microsoft.com/office/drawing/2014/main" id="{2E499761-5709-F947-9707-59B5BDEEF1D2}"/>
+              <a:ext uri="{28A0092B-C50C-407E-A947-70E740481C1C}">
+                <a14:useLocalDpi xmlns:a14="http://schemas.microsoft.com/office/drawing/2010/main" val="0"/>
               </a:ext>
             </a:extLst>
-          </p:cNvPr>
-          <p:cNvSpPr>
-            <a:spLocks noGrp="1"/>
-          </p:cNvSpPr>
-          <p:nvPr>
-            <p:ph idx="1"/>
-          </p:nvPr>
-        </p:nvSpPr>
-        <p:spPr/>
-        <p:txBody>
-          <a:bodyPr/>
-          <a:lstStyle/>
-          <a:p>
-            <a:r>
-              <a:rPr lang="es-MX" dirty="0"/>
-              <a:t>¿Qué es?</a:t>
-            </a:r>
-          </a:p>
-          <a:p>
-            <a:pPr marL="0" indent="0">
-              <a:buNone/>
-            </a:pPr>
-            <a:endParaRPr lang="es-MX" dirty="0"/>
-          </a:p>
-          <a:p>
-            <a:r>
-              <a:rPr lang="es-MX" dirty="0"/>
-              <a:t>¿Para qué se usa?</a:t>
-            </a:r>
-          </a:p>
-          <a:p>
-            <a:endParaRPr lang="es-MX" dirty="0"/>
-          </a:p>
-          <a:p>
-            <a:r>
-              <a:rPr lang="es-MX" dirty="0"/>
-              <a:t>¿Cómo se usa?</a:t>
-            </a:r>
-          </a:p>
-          <a:p>
-            <a:endParaRPr lang="es-MX" dirty="0"/>
-          </a:p>
-        </p:txBody>
-      </p:sp>
+          </a:blip>
+          <a:srcRect/>
+          <a:stretch>
+            <a:fillRect/>
+          </a:stretch>
+        </p:blipFill>
+        <p:spPr bwMode="auto">
+          <a:xfrm>
+            <a:off x="5230055" y="3803056"/>
+            <a:ext cx="6961945" cy="3054944"/>
+          </a:xfrm>
+          <a:prstGeom prst="rect">
+            <a:avLst/>
+          </a:prstGeom>
+          <a:noFill/>
+          <a:extLst>
+            <a:ext uri="{909E8E84-426E-40DD-AFC4-6F175D3DCCD1}">
+              <a14:hiddenFill xmlns:a14="http://schemas.microsoft.com/office/drawing/2010/main">
+                <a:solidFill>
+                  <a:srgbClr val="FFFFFF"/>
+                </a:solidFill>
+              </a14:hiddenFill>
+            </a:ext>
+          </a:extLst>
+        </p:spPr>
+      </p:pic>
     </p:spTree>
     <p:extLst>
       <p:ext uri="{BB962C8B-B14F-4D97-AF65-F5344CB8AC3E}">
-        <p14:creationId xmlns:p14="http://schemas.microsoft.com/office/powerpoint/2010/main" val="102276078"/>
+        <p14:creationId xmlns:p14="http://schemas.microsoft.com/office/powerpoint/2010/main" val="1488484583"/>
       </p:ext>
     </p:extLst>
   </p:cSld>
@@ -3457,13 +5138,7 @@
       </p:grpSpPr>
       <p:sp>
         <p:nvSpPr>
-          <p:cNvPr id="2" name="Título 1">
-            <a:extLst>
-              <a:ext uri="{FF2B5EF4-FFF2-40B4-BE49-F238E27FC236}">
-                <a16:creationId xmlns:a16="http://schemas.microsoft.com/office/drawing/2014/main" id="{3B67913B-870B-5E23-1EF4-33F7510E4E31}"/>
-              </a:ext>
-            </a:extLst>
-          </p:cNvPr>
+          <p:cNvPr id="5" name="Título 4"/>
           <p:cNvSpPr>
             <a:spLocks noGrp="1"/>
           </p:cNvSpPr>
@@ -3478,40 +5153,354 @@
           <a:p>
             <a:r>
               <a:rPr lang="es-MX" dirty="0"/>
-              <a:t>¿Qué es?</a:t>
-            </a:r>
-          </a:p>
-        </p:txBody>
-      </p:sp>
-      <p:sp>
-        <p:nvSpPr>
-          <p:cNvPr id="3" name="Marcador de contenido 2">
-            <a:extLst>
-              <a:ext uri="{FF2B5EF4-FFF2-40B4-BE49-F238E27FC236}">
-                <a16:creationId xmlns:a16="http://schemas.microsoft.com/office/drawing/2014/main" id="{97AC7D8A-6A43-9E87-D8A6-2F11FEDC5EC8}"/>
-              </a:ext>
-            </a:extLst>
-          </p:cNvPr>
-          <p:cNvSpPr>
-            <a:spLocks noGrp="1"/>
-          </p:cNvSpPr>
-          <p:nvPr>
-            <p:ph idx="1"/>
-          </p:nvPr>
-        </p:nvSpPr>
-        <p:spPr/>
-        <p:txBody>
-          <a:bodyPr/>
-          <a:lstStyle/>
-          <a:p>
-            <a:endParaRPr lang="es-MX" dirty="0"/>
-          </a:p>
-        </p:txBody>
-      </p:sp>
+              <a:t>Paradigma del aprendizaje profundo</a:t>
+            </a:r>
+          </a:p>
+        </p:txBody>
+      </p:sp>
+      <p:pic>
+        <p:nvPicPr>
+          <p:cNvPr id="6" name="Imagen 5"/>
+          <p:cNvPicPr>
+            <a:picLocks noChangeAspect="1"/>
+          </p:cNvPicPr>
+          <p:nvPr/>
+        </p:nvPicPr>
+        <p:blipFill>
+          <a:blip r:embed="rId2"/>
+          <a:stretch>
+            <a:fillRect/>
+          </a:stretch>
+        </p:blipFill>
+        <p:spPr>
+          <a:xfrm>
+            <a:off x="292959" y="1630873"/>
+            <a:ext cx="4098861" cy="2209607"/>
+          </a:xfrm>
+          <a:prstGeom prst="rect">
+            <a:avLst/>
+          </a:prstGeom>
+        </p:spPr>
+      </p:pic>
+      <p:pic>
+        <p:nvPicPr>
+          <p:cNvPr id="7" name="Imagen 6"/>
+          <p:cNvPicPr>
+            <a:picLocks noChangeAspect="1"/>
+          </p:cNvPicPr>
+          <p:nvPr/>
+        </p:nvPicPr>
+        <p:blipFill>
+          <a:blip r:embed="rId3"/>
+          <a:stretch>
+            <a:fillRect/>
+          </a:stretch>
+        </p:blipFill>
+        <p:spPr>
+          <a:xfrm>
+            <a:off x="4529310" y="3616920"/>
+            <a:ext cx="7511615" cy="2521487"/>
+          </a:xfrm>
+          <a:prstGeom prst="rect">
+            <a:avLst/>
+          </a:prstGeom>
+        </p:spPr>
+      </p:pic>
     </p:spTree>
     <p:extLst>
       <p:ext uri="{BB962C8B-B14F-4D97-AF65-F5344CB8AC3E}">
-        <p14:creationId xmlns:p14="http://schemas.microsoft.com/office/powerpoint/2010/main" val="2802815148"/>
+        <p14:creationId xmlns:p14="http://schemas.microsoft.com/office/powerpoint/2010/main" val="2928217377"/>
+      </p:ext>
+    </p:extLst>
+  </p:cSld>
+  <p:clrMapOvr>
+    <a:masterClrMapping/>
+  </p:clrMapOvr>
+</p:sld>
+</file>
+
+<file path=ppt/slides/slide6.xml><?xml version="1.0" encoding="utf-8"?>
+<p:sld xmlns:a="http://schemas.openxmlformats.org/drawingml/2006/main" xmlns:r="http://schemas.openxmlformats.org/officeDocument/2006/relationships" xmlns:p="http://schemas.openxmlformats.org/presentationml/2006/main">
+  <p:cSld>
+    <p:spTree>
+      <p:nvGrpSpPr>
+        <p:cNvPr id="1" name=""/>
+        <p:cNvGrpSpPr/>
+        <p:nvPr/>
+      </p:nvGrpSpPr>
+      <p:grpSpPr>
+        <a:xfrm>
+          <a:off x="0" y="0"/>
+          <a:ext cx="0" cy="0"/>
+          <a:chOff x="0" y="0"/>
+          <a:chExt cx="0" cy="0"/>
+        </a:xfrm>
+      </p:grpSpPr>
+      <p:sp>
+        <p:nvSpPr>
+          <p:cNvPr id="2" name="Título 1"/>
+          <p:cNvSpPr>
+            <a:spLocks noGrp="1"/>
+          </p:cNvSpPr>
+          <p:nvPr>
+            <p:ph type="title"/>
+          </p:nvPr>
+        </p:nvSpPr>
+        <p:spPr/>
+        <p:txBody>
+          <a:bodyPr/>
+          <a:lstStyle/>
+          <a:p>
+            <a:r>
+              <a:rPr lang="es-MX" dirty="0"/>
+              <a:t>Proceso de aprendizaje</a:t>
+            </a:r>
+          </a:p>
+        </p:txBody>
+      </p:sp>
+      <p:pic>
+        <p:nvPicPr>
+          <p:cNvPr id="4" name="Imagen 3"/>
+          <p:cNvPicPr>
+            <a:picLocks noChangeAspect="1"/>
+          </p:cNvPicPr>
+          <p:nvPr/>
+        </p:nvPicPr>
+        <p:blipFill>
+          <a:blip r:embed="rId2"/>
+          <a:stretch>
+            <a:fillRect/>
+          </a:stretch>
+        </p:blipFill>
+        <p:spPr>
+          <a:xfrm>
+            <a:off x="2359901" y="1804659"/>
+            <a:ext cx="6565952" cy="5053341"/>
+          </a:xfrm>
+          <a:prstGeom prst="rect">
+            <a:avLst/>
+          </a:prstGeom>
+        </p:spPr>
+      </p:pic>
+    </p:spTree>
+    <p:extLst>
+      <p:ext uri="{BB962C8B-B14F-4D97-AF65-F5344CB8AC3E}">
+        <p14:creationId xmlns:p14="http://schemas.microsoft.com/office/powerpoint/2010/main" val="1562187947"/>
+      </p:ext>
+    </p:extLst>
+  </p:cSld>
+  <p:clrMapOvr>
+    <a:masterClrMapping/>
+  </p:clrMapOvr>
+</p:sld>
+</file>
+
+<file path=ppt/slides/slide7.xml><?xml version="1.0" encoding="utf-8"?>
+<p:sld xmlns:a="http://schemas.openxmlformats.org/drawingml/2006/main" xmlns:r="http://schemas.openxmlformats.org/officeDocument/2006/relationships" xmlns:p="http://schemas.openxmlformats.org/presentationml/2006/main">
+  <p:cSld>
+    <p:spTree>
+      <p:nvGrpSpPr>
+        <p:cNvPr id="1" name=""/>
+        <p:cNvGrpSpPr/>
+        <p:nvPr/>
+      </p:nvGrpSpPr>
+      <p:grpSpPr>
+        <a:xfrm>
+          <a:off x="0" y="0"/>
+          <a:ext cx="0" cy="0"/>
+          <a:chOff x="0" y="0"/>
+          <a:chExt cx="0" cy="0"/>
+        </a:xfrm>
+      </p:grpSpPr>
+      <p:sp>
+        <p:nvSpPr>
+          <p:cNvPr id="2" name="Título 1"/>
+          <p:cNvSpPr>
+            <a:spLocks noGrp="1"/>
+          </p:cNvSpPr>
+          <p:nvPr>
+            <p:ph type="title"/>
+          </p:nvPr>
+        </p:nvSpPr>
+        <p:spPr/>
+        <p:txBody>
+          <a:bodyPr/>
+          <a:lstStyle/>
+          <a:p>
+            <a:pPr algn="ctr"/>
+            <a:r>
+              <a:rPr lang="es-MX" dirty="0"/>
+              <a:t>Estructura de una red neuronal profunda</a:t>
+            </a:r>
+          </a:p>
+        </p:txBody>
+      </p:sp>
+      <p:pic>
+        <p:nvPicPr>
+          <p:cNvPr id="4" name="Imagen 3"/>
+          <p:cNvPicPr>
+            <a:picLocks noChangeAspect="1"/>
+          </p:cNvPicPr>
+          <p:nvPr/>
+        </p:nvPicPr>
+        <p:blipFill>
+          <a:blip r:embed="rId2"/>
+          <a:stretch>
+            <a:fillRect/>
+          </a:stretch>
+        </p:blipFill>
+        <p:spPr>
+          <a:xfrm>
+            <a:off x="1337381" y="1690688"/>
+            <a:ext cx="9101813" cy="5167312"/>
+          </a:xfrm>
+          <a:prstGeom prst="rect">
+            <a:avLst/>
+          </a:prstGeom>
+        </p:spPr>
+      </p:pic>
+    </p:spTree>
+    <p:extLst>
+      <p:ext uri="{BB962C8B-B14F-4D97-AF65-F5344CB8AC3E}">
+        <p14:creationId xmlns:p14="http://schemas.microsoft.com/office/powerpoint/2010/main" val="4262574437"/>
+      </p:ext>
+    </p:extLst>
+  </p:cSld>
+  <p:clrMapOvr>
+    <a:masterClrMapping/>
+  </p:clrMapOvr>
+</p:sld>
+</file>
+
+<file path=ppt/slides/slide8.xml><?xml version="1.0" encoding="utf-8"?>
+<p:sld xmlns:a="http://schemas.openxmlformats.org/drawingml/2006/main" xmlns:r="http://schemas.openxmlformats.org/officeDocument/2006/relationships" xmlns:p="http://schemas.openxmlformats.org/presentationml/2006/main">
+  <p:cSld>
+    <p:spTree>
+      <p:nvGrpSpPr>
+        <p:cNvPr id="1" name=""/>
+        <p:cNvGrpSpPr/>
+        <p:nvPr/>
+      </p:nvGrpSpPr>
+      <p:grpSpPr>
+        <a:xfrm>
+          <a:off x="0" y="0"/>
+          <a:ext cx="0" cy="0"/>
+          <a:chOff x="0" y="0"/>
+          <a:chExt cx="0" cy="0"/>
+        </a:xfrm>
+      </p:grpSpPr>
+      <p:sp>
+        <p:nvSpPr>
+          <p:cNvPr id="2" name="Título 1"/>
+          <p:cNvSpPr>
+            <a:spLocks noGrp="1"/>
+          </p:cNvSpPr>
+          <p:nvPr>
+            <p:ph type="title"/>
+          </p:nvPr>
+        </p:nvSpPr>
+        <p:spPr/>
+        <p:txBody>
+          <a:bodyPr/>
+          <a:lstStyle/>
+          <a:p>
+            <a:r>
+              <a:rPr lang="es-MX" dirty="0"/>
+              <a:t>Herramientas de Deep </a:t>
+            </a:r>
+            <a:r>
+              <a:rPr lang="es-MX" dirty="0" err="1"/>
+              <a:t>learning</a:t>
+            </a:r>
+            <a:r>
+              <a:rPr lang="es-MX" dirty="0"/>
+              <a:t> </a:t>
+            </a:r>
+          </a:p>
+        </p:txBody>
+      </p:sp>
+      <p:pic>
+        <p:nvPicPr>
+          <p:cNvPr id="4" name="Imagen 3"/>
+          <p:cNvPicPr>
+            <a:picLocks noChangeAspect="1"/>
+          </p:cNvPicPr>
+          <p:nvPr/>
+        </p:nvPicPr>
+        <p:blipFill>
+          <a:blip r:embed="rId2"/>
+          <a:stretch>
+            <a:fillRect/>
+          </a:stretch>
+        </p:blipFill>
+        <p:spPr>
+          <a:xfrm>
+            <a:off x="1899396" y="1690688"/>
+            <a:ext cx="7461929" cy="5167312"/>
+          </a:xfrm>
+          <a:prstGeom prst="rect">
+            <a:avLst/>
+          </a:prstGeom>
+        </p:spPr>
+      </p:pic>
+    </p:spTree>
+    <p:extLst>
+      <p:ext uri="{BB962C8B-B14F-4D97-AF65-F5344CB8AC3E}">
+        <p14:creationId xmlns:p14="http://schemas.microsoft.com/office/powerpoint/2010/main" val="137771967"/>
+      </p:ext>
+    </p:extLst>
+  </p:cSld>
+  <p:clrMapOvr>
+    <a:masterClrMapping/>
+  </p:clrMapOvr>
+</p:sld>
+</file>
+
+<file path=ppt/slides/slide9.xml><?xml version="1.0" encoding="utf-8"?>
+<p:sld xmlns:a="http://schemas.openxmlformats.org/drawingml/2006/main" xmlns:r="http://schemas.openxmlformats.org/officeDocument/2006/relationships" xmlns:p="http://schemas.openxmlformats.org/presentationml/2006/main">
+  <p:cSld>
+    <p:spTree>
+      <p:nvGrpSpPr>
+        <p:cNvPr id="1" name=""/>
+        <p:cNvGrpSpPr/>
+        <p:nvPr/>
+      </p:nvGrpSpPr>
+      <p:grpSpPr>
+        <a:xfrm>
+          <a:off x="0" y="0"/>
+          <a:ext cx="0" cy="0"/>
+          <a:chOff x="0" y="0"/>
+          <a:chExt cx="0" cy="0"/>
+        </a:xfrm>
+      </p:grpSpPr>
+      <p:pic>
+        <p:nvPicPr>
+          <p:cNvPr id="4" name="Imagen 3"/>
+          <p:cNvPicPr>
+            <a:picLocks noChangeAspect="1"/>
+          </p:cNvPicPr>
+          <p:nvPr/>
+        </p:nvPicPr>
+        <p:blipFill>
+          <a:blip r:embed="rId2"/>
+          <a:stretch>
+            <a:fillRect/>
+          </a:stretch>
+        </p:blipFill>
+        <p:spPr>
+          <a:xfrm>
+            <a:off x="1189516" y="230588"/>
+            <a:ext cx="8885541" cy="6448508"/>
+          </a:xfrm>
+          <a:prstGeom prst="rect">
+            <a:avLst/>
+          </a:prstGeom>
+        </p:spPr>
+      </p:pic>
+    </p:spTree>
+    <p:extLst>
+      <p:ext uri="{BB962C8B-B14F-4D97-AF65-F5344CB8AC3E}">
+        <p14:creationId xmlns:p14="http://schemas.microsoft.com/office/powerpoint/2010/main" val="366493893"/>
       </p:ext>
     </p:extLst>
   </p:cSld>
